--- a/Tex Papiers/Greedy_load/JOSH/offset.pptx
+++ b/Tex Papiers/Greedy_load/JOSH/offset.pptx
@@ -2,18 +2,18 @@
 <file path=ppt/presentation.xml><?xml version="1.0" encoding="utf-8"?>
 <p:presentation xmlns:a="http://schemas.openxmlformats.org/drawingml/2006/main" xmlns:r="http://schemas.openxmlformats.org/officeDocument/2006/relationships" xmlns:p="http://schemas.openxmlformats.org/presentationml/2006/main" saveSubsetFonts="1">
   <p:sldMasterIdLst>
-    <p:sldMasterId id="2147483648" r:id="rId1"/>
+    <p:sldMasterId id="2147483650" r:id="rId1"/>
   </p:sldMasterIdLst>
   <p:sldIdLst>
     <p:sldId id="257" r:id="rId2"/>
   </p:sldIdLst>
-  <p:sldSz cx="12192000" cy="6858000"/>
+  <p:sldSz cx="10402888" cy="3714750"/>
   <p:notesSz cx="6858000" cy="9144000"/>
   <p:defaultTextStyle>
     <a:defPPr>
-      <a:defRPr lang="fr-FR"/>
+      <a:defRPr lang="en-US"/>
     </a:defPPr>
-    <a:lvl1pPr marL="0" algn="l" defTabSz="914400" rtl="0" eaLnBrk="1" latinLnBrk="0" hangingPunct="1">
+    <a:lvl1pPr marL="0" algn="l" defTabSz="457200" rtl="0" eaLnBrk="1" latinLnBrk="0" hangingPunct="1">
       <a:defRPr sz="1800" kern="1200">
         <a:solidFill>
           <a:schemeClr val="tx1"/>
@@ -23,7 +23,7 @@
         <a:cs typeface="+mn-cs"/>
       </a:defRPr>
     </a:lvl1pPr>
-    <a:lvl2pPr marL="457200" algn="l" defTabSz="914400" rtl="0" eaLnBrk="1" latinLnBrk="0" hangingPunct="1">
+    <a:lvl2pPr marL="457200" algn="l" defTabSz="457200" rtl="0" eaLnBrk="1" latinLnBrk="0" hangingPunct="1">
       <a:defRPr sz="1800" kern="1200">
         <a:solidFill>
           <a:schemeClr val="tx1"/>
@@ -33,7 +33,7 @@
         <a:cs typeface="+mn-cs"/>
       </a:defRPr>
     </a:lvl2pPr>
-    <a:lvl3pPr marL="914400" algn="l" defTabSz="914400" rtl="0" eaLnBrk="1" latinLnBrk="0" hangingPunct="1">
+    <a:lvl3pPr marL="914400" algn="l" defTabSz="457200" rtl="0" eaLnBrk="1" latinLnBrk="0" hangingPunct="1">
       <a:defRPr sz="1800" kern="1200">
         <a:solidFill>
           <a:schemeClr val="tx1"/>
@@ -43,7 +43,7 @@
         <a:cs typeface="+mn-cs"/>
       </a:defRPr>
     </a:lvl3pPr>
-    <a:lvl4pPr marL="1371600" algn="l" defTabSz="914400" rtl="0" eaLnBrk="1" latinLnBrk="0" hangingPunct="1">
+    <a:lvl4pPr marL="1371600" algn="l" defTabSz="457200" rtl="0" eaLnBrk="1" latinLnBrk="0" hangingPunct="1">
       <a:defRPr sz="1800" kern="1200">
         <a:solidFill>
           <a:schemeClr val="tx1"/>
@@ -53,7 +53,7 @@
         <a:cs typeface="+mn-cs"/>
       </a:defRPr>
     </a:lvl4pPr>
-    <a:lvl5pPr marL="1828800" algn="l" defTabSz="914400" rtl="0" eaLnBrk="1" latinLnBrk="0" hangingPunct="1">
+    <a:lvl5pPr marL="1828800" algn="l" defTabSz="457200" rtl="0" eaLnBrk="1" latinLnBrk="0" hangingPunct="1">
       <a:defRPr sz="1800" kern="1200">
         <a:solidFill>
           <a:schemeClr val="tx1"/>
@@ -63,7 +63,7 @@
         <a:cs typeface="+mn-cs"/>
       </a:defRPr>
     </a:lvl5pPr>
-    <a:lvl6pPr marL="2286000" algn="l" defTabSz="914400" rtl="0" eaLnBrk="1" latinLnBrk="0" hangingPunct="1">
+    <a:lvl6pPr marL="2286000" algn="l" defTabSz="457200" rtl="0" eaLnBrk="1" latinLnBrk="0" hangingPunct="1">
       <a:defRPr sz="1800" kern="1200">
         <a:solidFill>
           <a:schemeClr val="tx1"/>
@@ -73,7 +73,7 @@
         <a:cs typeface="+mn-cs"/>
       </a:defRPr>
     </a:lvl6pPr>
-    <a:lvl7pPr marL="2743200" algn="l" defTabSz="914400" rtl="0" eaLnBrk="1" latinLnBrk="0" hangingPunct="1">
+    <a:lvl7pPr marL="2743200" algn="l" defTabSz="457200" rtl="0" eaLnBrk="1" latinLnBrk="0" hangingPunct="1">
       <a:defRPr sz="1800" kern="1200">
         <a:solidFill>
           <a:schemeClr val="tx1"/>
@@ -83,7 +83,7 @@
         <a:cs typeface="+mn-cs"/>
       </a:defRPr>
     </a:lvl7pPr>
-    <a:lvl8pPr marL="3200400" algn="l" defTabSz="914400" rtl="0" eaLnBrk="1" latinLnBrk="0" hangingPunct="1">
+    <a:lvl8pPr marL="3200400" algn="l" defTabSz="457200" rtl="0" eaLnBrk="1" latinLnBrk="0" hangingPunct="1">
       <a:defRPr sz="1800" kern="1200">
         <a:solidFill>
           <a:schemeClr val="tx1"/>
@@ -93,7 +93,7 @@
         <a:cs typeface="+mn-cs"/>
       </a:defRPr>
     </a:lvl8pPr>
-    <a:lvl9pPr marL="3657600" algn="l" defTabSz="914400" rtl="0" eaLnBrk="1" latinLnBrk="0" hangingPunct="1">
+    <a:lvl9pPr marL="3657600" algn="l" defTabSz="457200" rtl="0" eaLnBrk="1" latinLnBrk="0" hangingPunct="1">
       <a:defRPr sz="1800" kern="1200">
         <a:solidFill>
           <a:schemeClr val="tx1"/>
@@ -104,7 +104,145 @@
       </a:defRPr>
     </a:lvl9pPr>
   </p:defaultTextStyle>
+  <p:extLst>
+    <p:ext uri="{EFAFB233-063F-42B5-8137-9DF3F51BA10A}">
+      <p15:sldGuideLst xmlns:p15="http://schemas.microsoft.com/office/powerpoint/2012/main"/>
+    </p:ext>
+  </p:extLst>
 </p:presentation>
+</file>
+
+<file path=ppt/revisionInfo.xml><?xml version="1.0" encoding="utf-8"?>
+<p1510:revInfo xmlns:a="http://schemas.openxmlformats.org/drawingml/2006/main" xmlns:r="http://schemas.openxmlformats.org/officeDocument/2006/relationships" xmlns:p1510="http://schemas.microsoft.com/office/powerpoint/2015/10/main">
+  <p1510:revLst>
+    <p1510:client id="{B36B2762-03A5-4C7D-B852-79CD1AB8F1D2}" v="1" dt="2023-11-10T11:58:54.121"/>
+  </p1510:revLst>
+</p1510:revInfo>
+</file>
+
+<file path=ppt/changesInfos/changesInfo1.xml><?xml version="1.0" encoding="utf-8"?>
+<pc:chgInfo xmlns:a="http://schemas.openxmlformats.org/drawingml/2006/main" xmlns:r="http://schemas.openxmlformats.org/officeDocument/2006/relationships" xmlns:ac="http://schemas.microsoft.com/office/drawing/2013/main/command" xmlns:pc="http://schemas.microsoft.com/office/powerpoint/2013/main/command">
+  <pc:docChgLst>
+    <pc:chgData name="GUIRAUD Mael" userId="9698d85c-f986-4704-b8b8-8b96bbf4c9e7" providerId="ADAL" clId="{B36B2762-03A5-4C7D-B852-79CD1AB8F1D2}"/>
+    <pc:docChg chg="modSld">
+      <pc:chgData name="GUIRAUD Mael" userId="9698d85c-f986-4704-b8b8-8b96bbf4c9e7" providerId="ADAL" clId="{B36B2762-03A5-4C7D-B852-79CD1AB8F1D2}" dt="2023-11-10T11:58:59.241" v="0" actId="1076"/>
+      <pc:docMkLst>
+        <pc:docMk/>
+      </pc:docMkLst>
+      <pc:sldChg chg="modSp mod">
+        <pc:chgData name="GUIRAUD Mael" userId="9698d85c-f986-4704-b8b8-8b96bbf4c9e7" providerId="ADAL" clId="{B36B2762-03A5-4C7D-B852-79CD1AB8F1D2}" dt="2023-11-10T11:58:59.241" v="0" actId="1076"/>
+        <pc:sldMkLst>
+          <pc:docMk/>
+          <pc:sldMk cId="2519317609" sldId="257"/>
+        </pc:sldMkLst>
+        <pc:spChg chg="mod">
+          <ac:chgData name="GUIRAUD Mael" userId="9698d85c-f986-4704-b8b8-8b96bbf4c9e7" providerId="ADAL" clId="{B36B2762-03A5-4C7D-B852-79CD1AB8F1D2}" dt="2023-11-10T11:58:59.241" v="0" actId="1076"/>
+          <ac:spMkLst>
+            <pc:docMk/>
+            <pc:sldMk cId="2519317609" sldId="257"/>
+            <ac:spMk id="8" creationId="{4DBE29BF-AD8F-4887-86FB-6D2708E92AA0}"/>
+          </ac:spMkLst>
+        </pc:spChg>
+        <pc:spChg chg="mod">
+          <ac:chgData name="GUIRAUD Mael" userId="9698d85c-f986-4704-b8b8-8b96bbf4c9e7" providerId="ADAL" clId="{B36B2762-03A5-4C7D-B852-79CD1AB8F1D2}" dt="2023-11-10T11:58:59.241" v="0" actId="1076"/>
+          <ac:spMkLst>
+            <pc:docMk/>
+            <pc:sldMk cId="2519317609" sldId="257"/>
+            <ac:spMk id="11" creationId="{E756FBC0-97FF-4CCF-3FE2-B59F2ACF20C9}"/>
+          </ac:spMkLst>
+        </pc:spChg>
+        <pc:spChg chg="mod">
+          <ac:chgData name="GUIRAUD Mael" userId="9698d85c-f986-4704-b8b8-8b96bbf4c9e7" providerId="ADAL" clId="{B36B2762-03A5-4C7D-B852-79CD1AB8F1D2}" dt="2023-11-10T11:58:59.241" v="0" actId="1076"/>
+          <ac:spMkLst>
+            <pc:docMk/>
+            <pc:sldMk cId="2519317609" sldId="257"/>
+            <ac:spMk id="15" creationId="{F019FE9C-C0DB-879D-FBA9-40564C77FBF3}"/>
+          </ac:spMkLst>
+        </pc:spChg>
+        <pc:spChg chg="mod">
+          <ac:chgData name="GUIRAUD Mael" userId="9698d85c-f986-4704-b8b8-8b96bbf4c9e7" providerId="ADAL" clId="{B36B2762-03A5-4C7D-B852-79CD1AB8F1D2}" dt="2023-11-10T11:58:59.241" v="0" actId="1076"/>
+          <ac:spMkLst>
+            <pc:docMk/>
+            <pc:sldMk cId="2519317609" sldId="257"/>
+            <ac:spMk id="18" creationId="{85AA0785-2938-23AF-17D9-991D0396552B}"/>
+          </ac:spMkLst>
+        </pc:spChg>
+        <pc:spChg chg="mod">
+          <ac:chgData name="GUIRAUD Mael" userId="9698d85c-f986-4704-b8b8-8b96bbf4c9e7" providerId="ADAL" clId="{B36B2762-03A5-4C7D-B852-79CD1AB8F1D2}" dt="2023-11-10T11:58:59.241" v="0" actId="1076"/>
+          <ac:spMkLst>
+            <pc:docMk/>
+            <pc:sldMk cId="2519317609" sldId="257"/>
+            <ac:spMk id="21" creationId="{CB5A640B-5FE9-3B1E-1040-0A2E180F1280}"/>
+          </ac:spMkLst>
+        </pc:spChg>
+        <pc:spChg chg="mod">
+          <ac:chgData name="GUIRAUD Mael" userId="9698d85c-f986-4704-b8b8-8b96bbf4c9e7" providerId="ADAL" clId="{B36B2762-03A5-4C7D-B852-79CD1AB8F1D2}" dt="2023-11-10T11:58:59.241" v="0" actId="1076"/>
+          <ac:spMkLst>
+            <pc:docMk/>
+            <pc:sldMk cId="2519317609" sldId="257"/>
+            <ac:spMk id="23" creationId="{DAF8EA2B-4C10-F046-CB65-AEB56DF8C9A7}"/>
+          </ac:spMkLst>
+        </pc:spChg>
+        <pc:graphicFrameChg chg="mod">
+          <ac:chgData name="GUIRAUD Mael" userId="9698d85c-f986-4704-b8b8-8b96bbf4c9e7" providerId="ADAL" clId="{B36B2762-03A5-4C7D-B852-79CD1AB8F1D2}" dt="2023-11-10T11:58:59.241" v="0" actId="1076"/>
+          <ac:graphicFrameMkLst>
+            <pc:docMk/>
+            <pc:sldMk cId="2519317609" sldId="257"/>
+            <ac:graphicFrameMk id="4" creationId="{EB4D8EE9-E47B-B733-CFB1-3718A1E8FC10}"/>
+          </ac:graphicFrameMkLst>
+        </pc:graphicFrameChg>
+        <pc:graphicFrameChg chg="mod">
+          <ac:chgData name="GUIRAUD Mael" userId="9698d85c-f986-4704-b8b8-8b96bbf4c9e7" providerId="ADAL" clId="{B36B2762-03A5-4C7D-B852-79CD1AB8F1D2}" dt="2023-11-10T11:58:59.241" v="0" actId="1076"/>
+          <ac:graphicFrameMkLst>
+            <pc:docMk/>
+            <pc:sldMk cId="2519317609" sldId="257"/>
+            <ac:graphicFrameMk id="9" creationId="{A89AB562-C9D0-4F55-5BAC-A72EF8C41C4C}"/>
+          </ac:graphicFrameMkLst>
+        </pc:graphicFrameChg>
+        <pc:graphicFrameChg chg="mod">
+          <ac:chgData name="GUIRAUD Mael" userId="9698d85c-f986-4704-b8b8-8b96bbf4c9e7" providerId="ADAL" clId="{B36B2762-03A5-4C7D-B852-79CD1AB8F1D2}" dt="2023-11-10T11:58:59.241" v="0" actId="1076"/>
+          <ac:graphicFrameMkLst>
+            <pc:docMk/>
+            <pc:sldMk cId="2519317609" sldId="257"/>
+            <ac:graphicFrameMk id="16" creationId="{FDEB271F-DE7F-D589-303B-62B13C5A4069}"/>
+          </ac:graphicFrameMkLst>
+        </pc:graphicFrameChg>
+        <pc:graphicFrameChg chg="mod">
+          <ac:chgData name="GUIRAUD Mael" userId="9698d85c-f986-4704-b8b8-8b96bbf4c9e7" providerId="ADAL" clId="{B36B2762-03A5-4C7D-B852-79CD1AB8F1D2}" dt="2023-11-10T11:58:59.241" v="0" actId="1076"/>
+          <ac:graphicFrameMkLst>
+            <pc:docMk/>
+            <pc:sldMk cId="2519317609" sldId="257"/>
+            <ac:graphicFrameMk id="19" creationId="{8F44C2E5-FB37-018D-ABB8-41D25C336D10}"/>
+          </ac:graphicFrameMkLst>
+        </pc:graphicFrameChg>
+        <pc:cxnChg chg="mod">
+          <ac:chgData name="GUIRAUD Mael" userId="9698d85c-f986-4704-b8b8-8b96bbf4c9e7" providerId="ADAL" clId="{B36B2762-03A5-4C7D-B852-79CD1AB8F1D2}" dt="2023-11-10T11:58:59.241" v="0" actId="1076"/>
+          <ac:cxnSpMkLst>
+            <pc:docMk/>
+            <pc:sldMk cId="2519317609" sldId="257"/>
+            <ac:cxnSpMk id="6" creationId="{6D0FEE21-3966-DBD4-AFBB-0DB3DDF09C4B}"/>
+          </ac:cxnSpMkLst>
+        </pc:cxnChg>
+        <pc:cxnChg chg="mod">
+          <ac:chgData name="GUIRAUD Mael" userId="9698d85c-f986-4704-b8b8-8b96bbf4c9e7" providerId="ADAL" clId="{B36B2762-03A5-4C7D-B852-79CD1AB8F1D2}" dt="2023-11-10T11:58:59.241" v="0" actId="1076"/>
+          <ac:cxnSpMkLst>
+            <pc:docMk/>
+            <pc:sldMk cId="2519317609" sldId="257"/>
+            <ac:cxnSpMk id="17" creationId="{0A4CB322-F11E-8F4A-54CA-DA7DF2D95A2C}"/>
+          </ac:cxnSpMkLst>
+        </pc:cxnChg>
+        <pc:cxnChg chg="mod">
+          <ac:chgData name="GUIRAUD Mael" userId="9698d85c-f986-4704-b8b8-8b96bbf4c9e7" providerId="ADAL" clId="{B36B2762-03A5-4C7D-B852-79CD1AB8F1D2}" dt="2023-11-10T11:58:59.241" v="0" actId="1076"/>
+          <ac:cxnSpMkLst>
+            <pc:docMk/>
+            <pc:sldMk cId="2519317609" sldId="257"/>
+            <ac:cxnSpMk id="22" creationId="{6FA007B1-6DEB-4762-54F0-C066E5F942BE}"/>
+          </ac:cxnSpMkLst>
+        </pc:cxnChg>
+      </pc:sldChg>
+    </pc:docChg>
+  </pc:docChgLst>
+</pc:chgInfo>
 </file>
 
 <file path=ppt/slideLayouts/slideLayout1.xml><?xml version="1.0" encoding="utf-8"?>
@@ -126,13 +264,7 @@
       </p:grpSpPr>
       <p:sp>
         <p:nvSpPr>
-          <p:cNvPr id="2" name="Titre 1">
-            <a:extLst>
-              <a:ext uri="{FF2B5EF4-FFF2-40B4-BE49-F238E27FC236}">
-                <a16:creationId xmlns:a16="http://schemas.microsoft.com/office/drawing/2014/main" id="{EAD8E234-7F30-C50A-431E-6D7BDF271D4B}"/>
-              </a:ext>
-            </a:extLst>
-          </p:cNvPr>
+          <p:cNvPr id="2" name="Title 1"/>
           <p:cNvSpPr>
             <a:spLocks noGrp="1"/>
           </p:cNvSpPr>
@@ -142,15 +274,15 @@
         </p:nvSpPr>
         <p:spPr>
           <a:xfrm>
-            <a:off x="1524000" y="1122363"/>
-            <a:ext cx="9144000" cy="2387600"/>
+            <a:off x="1300361" y="607947"/>
+            <a:ext cx="7802166" cy="1293283"/>
           </a:xfrm>
         </p:spPr>
         <p:txBody>
           <a:bodyPr anchor="b"/>
           <a:lstStyle>
             <a:lvl1pPr algn="ctr">
-              <a:defRPr sz="6000"/>
+              <a:defRPr sz="3250"/>
             </a:lvl1pPr>
           </a:lstStyle>
           <a:p>
@@ -158,18 +290,13 @@
               <a:rPr lang="fr-FR"/>
               <a:t>Modifiez le style du titre</a:t>
             </a:r>
+            <a:endParaRPr lang="en-US" dirty="0"/>
           </a:p>
         </p:txBody>
       </p:sp>
       <p:sp>
         <p:nvSpPr>
-          <p:cNvPr id="3" name="Sous-titre 2">
-            <a:extLst>
-              <a:ext uri="{FF2B5EF4-FFF2-40B4-BE49-F238E27FC236}">
-                <a16:creationId xmlns:a16="http://schemas.microsoft.com/office/drawing/2014/main" id="{6631DBD3-B8DB-EC76-6B26-73FD405BD70E}"/>
-              </a:ext>
-            </a:extLst>
-          </p:cNvPr>
+          <p:cNvPr id="3" name="Subtitle 2"/>
           <p:cNvSpPr>
             <a:spLocks noGrp="1"/>
           </p:cNvSpPr>
@@ -179,8 +306,8 @@
         </p:nvSpPr>
         <p:spPr>
           <a:xfrm>
-            <a:off x="1524000" y="3602038"/>
-            <a:ext cx="9144000" cy="1655762"/>
+            <a:off x="1300361" y="1951104"/>
+            <a:ext cx="7802166" cy="896871"/>
           </a:xfrm>
         </p:spPr>
         <p:txBody>
@@ -188,39 +315,39 @@
           <a:lstStyle>
             <a:lvl1pPr marL="0" indent="0" algn="ctr">
               <a:buNone/>
-              <a:defRPr sz="2400"/>
+              <a:defRPr sz="1300"/>
             </a:lvl1pPr>
-            <a:lvl2pPr marL="457200" indent="0" algn="ctr">
+            <a:lvl2pPr marL="247665" indent="0" algn="ctr">
               <a:buNone/>
-              <a:defRPr sz="2000"/>
+              <a:defRPr sz="1083"/>
             </a:lvl2pPr>
-            <a:lvl3pPr marL="914400" indent="0" algn="ctr">
+            <a:lvl3pPr marL="495330" indent="0" algn="ctr">
               <a:buNone/>
-              <a:defRPr sz="1800"/>
+              <a:defRPr sz="975"/>
             </a:lvl3pPr>
-            <a:lvl4pPr marL="1371600" indent="0" algn="ctr">
+            <a:lvl4pPr marL="742996" indent="0" algn="ctr">
               <a:buNone/>
-              <a:defRPr sz="1600"/>
+              <a:defRPr sz="867"/>
             </a:lvl4pPr>
-            <a:lvl5pPr marL="1828800" indent="0" algn="ctr">
+            <a:lvl5pPr marL="990661" indent="0" algn="ctr">
               <a:buNone/>
-              <a:defRPr sz="1600"/>
+              <a:defRPr sz="867"/>
             </a:lvl5pPr>
-            <a:lvl6pPr marL="2286000" indent="0" algn="ctr">
+            <a:lvl6pPr marL="1238326" indent="0" algn="ctr">
               <a:buNone/>
-              <a:defRPr sz="1600"/>
+              <a:defRPr sz="867"/>
             </a:lvl6pPr>
-            <a:lvl7pPr marL="2743200" indent="0" algn="ctr">
+            <a:lvl7pPr marL="1485991" indent="0" algn="ctr">
               <a:buNone/>
-              <a:defRPr sz="1600"/>
+              <a:defRPr sz="867"/>
             </a:lvl7pPr>
-            <a:lvl8pPr marL="3200400" indent="0" algn="ctr">
+            <a:lvl8pPr marL="1733657" indent="0" algn="ctr">
               <a:buNone/>
-              <a:defRPr sz="1600"/>
+              <a:defRPr sz="867"/>
             </a:lvl8pPr>
-            <a:lvl9pPr marL="3657600" indent="0" algn="ctr">
+            <a:lvl9pPr marL="1981322" indent="0" algn="ctr">
               <a:buNone/>
-              <a:defRPr sz="1600"/>
+              <a:defRPr sz="867"/>
             </a:lvl9pPr>
           </a:lstStyle>
           <a:p>
@@ -228,18 +355,13 @@
               <a:rPr lang="fr-FR"/>
               <a:t>Modifiez le style des sous-titres du masque</a:t>
             </a:r>
+            <a:endParaRPr lang="en-US" dirty="0"/>
           </a:p>
         </p:txBody>
       </p:sp>
       <p:sp>
         <p:nvSpPr>
-          <p:cNvPr id="4" name="Espace réservé de la date 3">
-            <a:extLst>
-              <a:ext uri="{FF2B5EF4-FFF2-40B4-BE49-F238E27FC236}">
-                <a16:creationId xmlns:a16="http://schemas.microsoft.com/office/drawing/2014/main" id="{5DEB6D96-998F-5318-A51A-65EB1E23B412}"/>
-              </a:ext>
-            </a:extLst>
-          </p:cNvPr>
+          <p:cNvPr id="4" name="Date Placeholder 3"/>
           <p:cNvSpPr>
             <a:spLocks noGrp="1"/>
           </p:cNvSpPr>
@@ -254,7 +376,7 @@
           <a:p>
             <a:fld id="{4F9D0EE7-5FFA-4A88-B51D-A0F9CB847ED6}" type="datetimeFigureOut">
               <a:rPr lang="fr-FR" smtClean="0"/>
-              <a:t>08/11/2023</a:t>
+              <a:t>10/11/2023</a:t>
             </a:fld>
             <a:endParaRPr lang="fr-FR"/>
           </a:p>
@@ -262,13 +384,7 @@
       </p:sp>
       <p:sp>
         <p:nvSpPr>
-          <p:cNvPr id="5" name="Espace réservé du pied de page 4">
-            <a:extLst>
-              <a:ext uri="{FF2B5EF4-FFF2-40B4-BE49-F238E27FC236}">
-                <a16:creationId xmlns:a16="http://schemas.microsoft.com/office/drawing/2014/main" id="{623A3787-5482-88C0-B711-40CC9B24809B}"/>
-              </a:ext>
-            </a:extLst>
-          </p:cNvPr>
+          <p:cNvPr id="5" name="Footer Placeholder 4"/>
           <p:cNvSpPr>
             <a:spLocks noGrp="1"/>
           </p:cNvSpPr>
@@ -287,13 +403,7 @@
       </p:sp>
       <p:sp>
         <p:nvSpPr>
-          <p:cNvPr id="6" name="Espace réservé du numéro de diapositive 5">
-            <a:extLst>
-              <a:ext uri="{FF2B5EF4-FFF2-40B4-BE49-F238E27FC236}">
-                <a16:creationId xmlns:a16="http://schemas.microsoft.com/office/drawing/2014/main" id="{B6EC0E19-2D7B-8843-9954-C9A00DE1E07D}"/>
-              </a:ext>
-            </a:extLst>
-          </p:cNvPr>
+          <p:cNvPr id="6" name="Slide Number Placeholder 5"/>
           <p:cNvSpPr>
             <a:spLocks noGrp="1"/>
           </p:cNvSpPr>
@@ -317,7 +427,2119 @@
     </p:spTree>
     <p:extLst>
       <p:ext uri="{BB962C8B-B14F-4D97-AF65-F5344CB8AC3E}">
-        <p14:creationId xmlns:p14="http://schemas.microsoft.com/office/powerpoint/2010/main" val="568117956"/>
+        <p14:creationId xmlns:p14="http://schemas.microsoft.com/office/powerpoint/2010/main" val="4032365516"/>
+      </p:ext>
+    </p:extLst>
+  </p:cSld>
+  <p:clrMapOvr>
+    <a:masterClrMapping/>
+  </p:clrMapOvr>
+</p:sldLayout>
+</file>
+
+<file path=ppt/slideLayouts/slideLayout10.xml><?xml version="1.0" encoding="utf-8"?>
+<p:sldLayout xmlns:a="http://schemas.openxmlformats.org/drawingml/2006/main" xmlns:r="http://schemas.openxmlformats.org/officeDocument/2006/relationships" xmlns:p="http://schemas.openxmlformats.org/presentationml/2006/main" type="vertTx" preserve="1">
+  <p:cSld name="Titre et texte vertical">
+    <p:spTree>
+      <p:nvGrpSpPr>
+        <p:cNvPr id="1" name=""/>
+        <p:cNvGrpSpPr/>
+        <p:nvPr/>
+      </p:nvGrpSpPr>
+      <p:grpSpPr>
+        <a:xfrm>
+          <a:off x="0" y="0"/>
+          <a:ext cx="0" cy="0"/>
+          <a:chOff x="0" y="0"/>
+          <a:chExt cx="0" cy="0"/>
+        </a:xfrm>
+      </p:grpSpPr>
+      <p:sp>
+        <p:nvSpPr>
+          <p:cNvPr id="2" name="Title 1"/>
+          <p:cNvSpPr>
+            <a:spLocks noGrp="1"/>
+          </p:cNvSpPr>
+          <p:nvPr>
+            <p:ph type="title"/>
+          </p:nvPr>
+        </p:nvSpPr>
+        <p:spPr/>
+        <p:txBody>
+          <a:bodyPr/>
+          <a:lstStyle/>
+          <a:p>
+            <a:r>
+              <a:rPr lang="fr-FR"/>
+              <a:t>Modifiez le style du titre</a:t>
+            </a:r>
+            <a:endParaRPr lang="en-US" dirty="0"/>
+          </a:p>
+        </p:txBody>
+      </p:sp>
+      <p:sp>
+        <p:nvSpPr>
+          <p:cNvPr id="3" name="Vertical Text Placeholder 2"/>
+          <p:cNvSpPr>
+            <a:spLocks noGrp="1"/>
+          </p:cNvSpPr>
+          <p:nvPr>
+            <p:ph type="body" orient="vert" idx="1"/>
+          </p:nvPr>
+        </p:nvSpPr>
+        <p:spPr/>
+        <p:txBody>
+          <a:bodyPr vert="eaVert"/>
+          <a:lstStyle/>
+          <a:p>
+            <a:pPr lvl="0"/>
+            <a:r>
+              <a:rPr lang="fr-FR"/>
+              <a:t>Cliquez pour modifier les styles du texte du masque</a:t>
+            </a:r>
+          </a:p>
+          <a:p>
+            <a:pPr lvl="1"/>
+            <a:r>
+              <a:rPr lang="fr-FR"/>
+              <a:t>Deuxième niveau</a:t>
+            </a:r>
+          </a:p>
+          <a:p>
+            <a:pPr lvl="2"/>
+            <a:r>
+              <a:rPr lang="fr-FR"/>
+              <a:t>Troisième niveau</a:t>
+            </a:r>
+          </a:p>
+          <a:p>
+            <a:pPr lvl="3"/>
+            <a:r>
+              <a:rPr lang="fr-FR"/>
+              <a:t>Quatrième niveau</a:t>
+            </a:r>
+          </a:p>
+          <a:p>
+            <a:pPr lvl="4"/>
+            <a:r>
+              <a:rPr lang="fr-FR"/>
+              <a:t>Cinquième niveau</a:t>
+            </a:r>
+            <a:endParaRPr lang="en-US" dirty="0"/>
+          </a:p>
+        </p:txBody>
+      </p:sp>
+      <p:sp>
+        <p:nvSpPr>
+          <p:cNvPr id="4" name="Date Placeholder 3"/>
+          <p:cNvSpPr>
+            <a:spLocks noGrp="1"/>
+          </p:cNvSpPr>
+          <p:nvPr>
+            <p:ph type="dt" sz="half" idx="10"/>
+          </p:nvPr>
+        </p:nvSpPr>
+        <p:spPr/>
+        <p:txBody>
+          <a:bodyPr/>
+          <a:lstStyle/>
+          <a:p>
+            <a:fld id="{4F9D0EE7-5FFA-4A88-B51D-A0F9CB847ED6}" type="datetimeFigureOut">
+              <a:rPr lang="fr-FR" smtClean="0"/>
+              <a:t>10/11/2023</a:t>
+            </a:fld>
+            <a:endParaRPr lang="fr-FR"/>
+          </a:p>
+        </p:txBody>
+      </p:sp>
+      <p:sp>
+        <p:nvSpPr>
+          <p:cNvPr id="5" name="Footer Placeholder 4"/>
+          <p:cNvSpPr>
+            <a:spLocks noGrp="1"/>
+          </p:cNvSpPr>
+          <p:nvPr>
+            <p:ph type="ftr" sz="quarter" idx="11"/>
+          </p:nvPr>
+        </p:nvSpPr>
+        <p:spPr/>
+        <p:txBody>
+          <a:bodyPr/>
+          <a:lstStyle/>
+          <a:p>
+            <a:endParaRPr lang="fr-FR"/>
+          </a:p>
+        </p:txBody>
+      </p:sp>
+      <p:sp>
+        <p:nvSpPr>
+          <p:cNvPr id="6" name="Slide Number Placeholder 5"/>
+          <p:cNvSpPr>
+            <a:spLocks noGrp="1"/>
+          </p:cNvSpPr>
+          <p:nvPr>
+            <p:ph type="sldNum" sz="quarter" idx="12"/>
+          </p:nvPr>
+        </p:nvSpPr>
+        <p:spPr/>
+        <p:txBody>
+          <a:bodyPr/>
+          <a:lstStyle/>
+          <a:p>
+            <a:fld id="{72600150-C123-420B-849A-7F3C001977BF}" type="slidenum">
+              <a:rPr lang="fr-FR" smtClean="0"/>
+              <a:t>‹N°›</a:t>
+            </a:fld>
+            <a:endParaRPr lang="fr-FR"/>
+          </a:p>
+        </p:txBody>
+      </p:sp>
+    </p:spTree>
+    <p:extLst>
+      <p:ext uri="{BB962C8B-B14F-4D97-AF65-F5344CB8AC3E}">
+        <p14:creationId xmlns:p14="http://schemas.microsoft.com/office/powerpoint/2010/main" val="2076830144"/>
+      </p:ext>
+    </p:extLst>
+  </p:cSld>
+  <p:clrMapOvr>
+    <a:masterClrMapping/>
+  </p:clrMapOvr>
+</p:sldLayout>
+</file>
+
+<file path=ppt/slideLayouts/slideLayout11.xml><?xml version="1.0" encoding="utf-8"?>
+<p:sldLayout xmlns:a="http://schemas.openxmlformats.org/drawingml/2006/main" xmlns:r="http://schemas.openxmlformats.org/officeDocument/2006/relationships" xmlns:p="http://schemas.openxmlformats.org/presentationml/2006/main" type="vertTitleAndTx" preserve="1">
+  <p:cSld name="Titre vertical et texte">
+    <p:spTree>
+      <p:nvGrpSpPr>
+        <p:cNvPr id="1" name=""/>
+        <p:cNvGrpSpPr/>
+        <p:nvPr/>
+      </p:nvGrpSpPr>
+      <p:grpSpPr>
+        <a:xfrm>
+          <a:off x="0" y="0"/>
+          <a:ext cx="0" cy="0"/>
+          <a:chOff x="0" y="0"/>
+          <a:chExt cx="0" cy="0"/>
+        </a:xfrm>
+      </p:grpSpPr>
+      <p:sp>
+        <p:nvSpPr>
+          <p:cNvPr id="2" name="Vertical Title 1"/>
+          <p:cNvSpPr>
+            <a:spLocks noGrp="1"/>
+          </p:cNvSpPr>
+          <p:nvPr>
+            <p:ph type="title" orient="vert"/>
+          </p:nvPr>
+        </p:nvSpPr>
+        <p:spPr>
+          <a:xfrm>
+            <a:off x="7444567" y="197776"/>
+            <a:ext cx="2243123" cy="3148079"/>
+          </a:xfrm>
+        </p:spPr>
+        <p:txBody>
+          <a:bodyPr vert="eaVert"/>
+          <a:lstStyle/>
+          <a:p>
+            <a:r>
+              <a:rPr lang="fr-FR"/>
+              <a:t>Modifiez le style du titre</a:t>
+            </a:r>
+            <a:endParaRPr lang="en-US" dirty="0"/>
+          </a:p>
+        </p:txBody>
+      </p:sp>
+      <p:sp>
+        <p:nvSpPr>
+          <p:cNvPr id="3" name="Vertical Text Placeholder 2"/>
+          <p:cNvSpPr>
+            <a:spLocks noGrp="1"/>
+          </p:cNvSpPr>
+          <p:nvPr>
+            <p:ph type="body" orient="vert" idx="1"/>
+          </p:nvPr>
+        </p:nvSpPr>
+        <p:spPr>
+          <a:xfrm>
+            <a:off x="715199" y="197776"/>
+            <a:ext cx="6599332" cy="3148079"/>
+          </a:xfrm>
+        </p:spPr>
+        <p:txBody>
+          <a:bodyPr vert="eaVert"/>
+          <a:lstStyle/>
+          <a:p>
+            <a:pPr lvl="0"/>
+            <a:r>
+              <a:rPr lang="fr-FR"/>
+              <a:t>Cliquez pour modifier les styles du texte du masque</a:t>
+            </a:r>
+          </a:p>
+          <a:p>
+            <a:pPr lvl="1"/>
+            <a:r>
+              <a:rPr lang="fr-FR"/>
+              <a:t>Deuxième niveau</a:t>
+            </a:r>
+          </a:p>
+          <a:p>
+            <a:pPr lvl="2"/>
+            <a:r>
+              <a:rPr lang="fr-FR"/>
+              <a:t>Troisième niveau</a:t>
+            </a:r>
+          </a:p>
+          <a:p>
+            <a:pPr lvl="3"/>
+            <a:r>
+              <a:rPr lang="fr-FR"/>
+              <a:t>Quatrième niveau</a:t>
+            </a:r>
+          </a:p>
+          <a:p>
+            <a:pPr lvl="4"/>
+            <a:r>
+              <a:rPr lang="fr-FR"/>
+              <a:t>Cinquième niveau</a:t>
+            </a:r>
+            <a:endParaRPr lang="en-US" dirty="0"/>
+          </a:p>
+        </p:txBody>
+      </p:sp>
+      <p:sp>
+        <p:nvSpPr>
+          <p:cNvPr id="4" name="Date Placeholder 3"/>
+          <p:cNvSpPr>
+            <a:spLocks noGrp="1"/>
+          </p:cNvSpPr>
+          <p:nvPr>
+            <p:ph type="dt" sz="half" idx="10"/>
+          </p:nvPr>
+        </p:nvSpPr>
+        <p:spPr/>
+        <p:txBody>
+          <a:bodyPr/>
+          <a:lstStyle/>
+          <a:p>
+            <a:fld id="{4F9D0EE7-5FFA-4A88-B51D-A0F9CB847ED6}" type="datetimeFigureOut">
+              <a:rPr lang="fr-FR" smtClean="0"/>
+              <a:t>10/11/2023</a:t>
+            </a:fld>
+            <a:endParaRPr lang="fr-FR"/>
+          </a:p>
+        </p:txBody>
+      </p:sp>
+      <p:sp>
+        <p:nvSpPr>
+          <p:cNvPr id="5" name="Footer Placeholder 4"/>
+          <p:cNvSpPr>
+            <a:spLocks noGrp="1"/>
+          </p:cNvSpPr>
+          <p:nvPr>
+            <p:ph type="ftr" sz="quarter" idx="11"/>
+          </p:nvPr>
+        </p:nvSpPr>
+        <p:spPr/>
+        <p:txBody>
+          <a:bodyPr/>
+          <a:lstStyle/>
+          <a:p>
+            <a:endParaRPr lang="fr-FR"/>
+          </a:p>
+        </p:txBody>
+      </p:sp>
+      <p:sp>
+        <p:nvSpPr>
+          <p:cNvPr id="6" name="Slide Number Placeholder 5"/>
+          <p:cNvSpPr>
+            <a:spLocks noGrp="1"/>
+          </p:cNvSpPr>
+          <p:nvPr>
+            <p:ph type="sldNum" sz="quarter" idx="12"/>
+          </p:nvPr>
+        </p:nvSpPr>
+        <p:spPr/>
+        <p:txBody>
+          <a:bodyPr/>
+          <a:lstStyle/>
+          <a:p>
+            <a:fld id="{72600150-C123-420B-849A-7F3C001977BF}" type="slidenum">
+              <a:rPr lang="fr-FR" smtClean="0"/>
+              <a:t>‹N°›</a:t>
+            </a:fld>
+            <a:endParaRPr lang="fr-FR"/>
+          </a:p>
+        </p:txBody>
+      </p:sp>
+    </p:spTree>
+    <p:extLst>
+      <p:ext uri="{BB962C8B-B14F-4D97-AF65-F5344CB8AC3E}">
+        <p14:creationId xmlns:p14="http://schemas.microsoft.com/office/powerpoint/2010/main" val="3429113947"/>
+      </p:ext>
+    </p:extLst>
+  </p:cSld>
+  <p:clrMapOvr>
+    <a:masterClrMapping/>
+  </p:clrMapOvr>
+</p:sldLayout>
+</file>
+
+<file path=ppt/slideLayouts/slideLayout2.xml><?xml version="1.0" encoding="utf-8"?>
+<p:sldLayout xmlns:a="http://schemas.openxmlformats.org/drawingml/2006/main" xmlns:r="http://schemas.openxmlformats.org/officeDocument/2006/relationships" xmlns:p="http://schemas.openxmlformats.org/presentationml/2006/main" type="obj" preserve="1">
+  <p:cSld name="Titre et contenu">
+    <p:spTree>
+      <p:nvGrpSpPr>
+        <p:cNvPr id="1" name=""/>
+        <p:cNvGrpSpPr/>
+        <p:nvPr/>
+      </p:nvGrpSpPr>
+      <p:grpSpPr>
+        <a:xfrm>
+          <a:off x="0" y="0"/>
+          <a:ext cx="0" cy="0"/>
+          <a:chOff x="0" y="0"/>
+          <a:chExt cx="0" cy="0"/>
+        </a:xfrm>
+      </p:grpSpPr>
+      <p:sp>
+        <p:nvSpPr>
+          <p:cNvPr id="2" name="Title 1"/>
+          <p:cNvSpPr>
+            <a:spLocks noGrp="1"/>
+          </p:cNvSpPr>
+          <p:nvPr>
+            <p:ph type="title"/>
+          </p:nvPr>
+        </p:nvSpPr>
+        <p:spPr/>
+        <p:txBody>
+          <a:bodyPr/>
+          <a:lstStyle/>
+          <a:p>
+            <a:r>
+              <a:rPr lang="fr-FR"/>
+              <a:t>Modifiez le style du titre</a:t>
+            </a:r>
+            <a:endParaRPr lang="en-US" dirty="0"/>
+          </a:p>
+        </p:txBody>
+      </p:sp>
+      <p:sp>
+        <p:nvSpPr>
+          <p:cNvPr id="3" name="Content Placeholder 2"/>
+          <p:cNvSpPr>
+            <a:spLocks noGrp="1"/>
+          </p:cNvSpPr>
+          <p:nvPr>
+            <p:ph idx="1"/>
+          </p:nvPr>
+        </p:nvSpPr>
+        <p:spPr/>
+        <p:txBody>
+          <a:bodyPr/>
+          <a:lstStyle/>
+          <a:p>
+            <a:pPr lvl="0"/>
+            <a:r>
+              <a:rPr lang="fr-FR"/>
+              <a:t>Cliquez pour modifier les styles du texte du masque</a:t>
+            </a:r>
+          </a:p>
+          <a:p>
+            <a:pPr lvl="1"/>
+            <a:r>
+              <a:rPr lang="fr-FR"/>
+              <a:t>Deuxième niveau</a:t>
+            </a:r>
+          </a:p>
+          <a:p>
+            <a:pPr lvl="2"/>
+            <a:r>
+              <a:rPr lang="fr-FR"/>
+              <a:t>Troisième niveau</a:t>
+            </a:r>
+          </a:p>
+          <a:p>
+            <a:pPr lvl="3"/>
+            <a:r>
+              <a:rPr lang="fr-FR"/>
+              <a:t>Quatrième niveau</a:t>
+            </a:r>
+          </a:p>
+          <a:p>
+            <a:pPr lvl="4"/>
+            <a:r>
+              <a:rPr lang="fr-FR"/>
+              <a:t>Cinquième niveau</a:t>
+            </a:r>
+            <a:endParaRPr lang="en-US" dirty="0"/>
+          </a:p>
+        </p:txBody>
+      </p:sp>
+      <p:sp>
+        <p:nvSpPr>
+          <p:cNvPr id="4" name="Date Placeholder 3"/>
+          <p:cNvSpPr>
+            <a:spLocks noGrp="1"/>
+          </p:cNvSpPr>
+          <p:nvPr>
+            <p:ph type="dt" sz="half" idx="10"/>
+          </p:nvPr>
+        </p:nvSpPr>
+        <p:spPr/>
+        <p:txBody>
+          <a:bodyPr/>
+          <a:lstStyle/>
+          <a:p>
+            <a:fld id="{4F9D0EE7-5FFA-4A88-B51D-A0F9CB847ED6}" type="datetimeFigureOut">
+              <a:rPr lang="fr-FR" smtClean="0"/>
+              <a:t>10/11/2023</a:t>
+            </a:fld>
+            <a:endParaRPr lang="fr-FR"/>
+          </a:p>
+        </p:txBody>
+      </p:sp>
+      <p:sp>
+        <p:nvSpPr>
+          <p:cNvPr id="5" name="Footer Placeholder 4"/>
+          <p:cNvSpPr>
+            <a:spLocks noGrp="1"/>
+          </p:cNvSpPr>
+          <p:nvPr>
+            <p:ph type="ftr" sz="quarter" idx="11"/>
+          </p:nvPr>
+        </p:nvSpPr>
+        <p:spPr/>
+        <p:txBody>
+          <a:bodyPr/>
+          <a:lstStyle/>
+          <a:p>
+            <a:endParaRPr lang="fr-FR"/>
+          </a:p>
+        </p:txBody>
+      </p:sp>
+      <p:sp>
+        <p:nvSpPr>
+          <p:cNvPr id="6" name="Slide Number Placeholder 5"/>
+          <p:cNvSpPr>
+            <a:spLocks noGrp="1"/>
+          </p:cNvSpPr>
+          <p:nvPr>
+            <p:ph type="sldNum" sz="quarter" idx="12"/>
+          </p:nvPr>
+        </p:nvSpPr>
+        <p:spPr/>
+        <p:txBody>
+          <a:bodyPr/>
+          <a:lstStyle/>
+          <a:p>
+            <a:fld id="{72600150-C123-420B-849A-7F3C001977BF}" type="slidenum">
+              <a:rPr lang="fr-FR" smtClean="0"/>
+              <a:t>‹N°›</a:t>
+            </a:fld>
+            <a:endParaRPr lang="fr-FR"/>
+          </a:p>
+        </p:txBody>
+      </p:sp>
+    </p:spTree>
+    <p:extLst>
+      <p:ext uri="{BB962C8B-B14F-4D97-AF65-F5344CB8AC3E}">
+        <p14:creationId xmlns:p14="http://schemas.microsoft.com/office/powerpoint/2010/main" val="2518154555"/>
+      </p:ext>
+    </p:extLst>
+  </p:cSld>
+  <p:clrMapOvr>
+    <a:masterClrMapping/>
+  </p:clrMapOvr>
+</p:sldLayout>
+</file>
+
+<file path=ppt/slideLayouts/slideLayout3.xml><?xml version="1.0" encoding="utf-8"?>
+<p:sldLayout xmlns:a="http://schemas.openxmlformats.org/drawingml/2006/main" xmlns:r="http://schemas.openxmlformats.org/officeDocument/2006/relationships" xmlns:p="http://schemas.openxmlformats.org/presentationml/2006/main" type="secHead" preserve="1">
+  <p:cSld name="Titre de section">
+    <p:spTree>
+      <p:nvGrpSpPr>
+        <p:cNvPr id="1" name=""/>
+        <p:cNvGrpSpPr/>
+        <p:nvPr/>
+      </p:nvGrpSpPr>
+      <p:grpSpPr>
+        <a:xfrm>
+          <a:off x="0" y="0"/>
+          <a:ext cx="0" cy="0"/>
+          <a:chOff x="0" y="0"/>
+          <a:chExt cx="0" cy="0"/>
+        </a:xfrm>
+      </p:grpSpPr>
+      <p:sp>
+        <p:nvSpPr>
+          <p:cNvPr id="2" name="Title 1"/>
+          <p:cNvSpPr>
+            <a:spLocks noGrp="1"/>
+          </p:cNvSpPr>
+          <p:nvPr>
+            <p:ph type="title"/>
+          </p:nvPr>
+        </p:nvSpPr>
+        <p:spPr>
+          <a:xfrm>
+            <a:off x="709780" y="926108"/>
+            <a:ext cx="8972491" cy="1545233"/>
+          </a:xfrm>
+        </p:spPr>
+        <p:txBody>
+          <a:bodyPr anchor="b"/>
+          <a:lstStyle>
+            <a:lvl1pPr>
+              <a:defRPr sz="3250"/>
+            </a:lvl1pPr>
+          </a:lstStyle>
+          <a:p>
+            <a:r>
+              <a:rPr lang="fr-FR"/>
+              <a:t>Modifiez le style du titre</a:t>
+            </a:r>
+            <a:endParaRPr lang="en-US" dirty="0"/>
+          </a:p>
+        </p:txBody>
+      </p:sp>
+      <p:sp>
+        <p:nvSpPr>
+          <p:cNvPr id="3" name="Text Placeholder 2"/>
+          <p:cNvSpPr>
+            <a:spLocks noGrp="1"/>
+          </p:cNvSpPr>
+          <p:nvPr>
+            <p:ph type="body" idx="1"/>
+          </p:nvPr>
+        </p:nvSpPr>
+        <p:spPr>
+          <a:xfrm>
+            <a:off x="709780" y="2485960"/>
+            <a:ext cx="8972491" cy="812601"/>
+          </a:xfrm>
+        </p:spPr>
+        <p:txBody>
+          <a:bodyPr/>
+          <a:lstStyle>
+            <a:lvl1pPr marL="0" indent="0">
+              <a:buNone/>
+              <a:defRPr sz="1300">
+                <a:solidFill>
+                  <a:schemeClr val="tx1">
+                    <a:tint val="75000"/>
+                  </a:schemeClr>
+                </a:solidFill>
+              </a:defRPr>
+            </a:lvl1pPr>
+            <a:lvl2pPr marL="247665" indent="0">
+              <a:buNone/>
+              <a:defRPr sz="1083">
+                <a:solidFill>
+                  <a:schemeClr val="tx1">
+                    <a:tint val="75000"/>
+                  </a:schemeClr>
+                </a:solidFill>
+              </a:defRPr>
+            </a:lvl2pPr>
+            <a:lvl3pPr marL="495330" indent="0">
+              <a:buNone/>
+              <a:defRPr sz="975">
+                <a:solidFill>
+                  <a:schemeClr val="tx1">
+                    <a:tint val="75000"/>
+                  </a:schemeClr>
+                </a:solidFill>
+              </a:defRPr>
+            </a:lvl3pPr>
+            <a:lvl4pPr marL="742996" indent="0">
+              <a:buNone/>
+              <a:defRPr sz="867">
+                <a:solidFill>
+                  <a:schemeClr val="tx1">
+                    <a:tint val="75000"/>
+                  </a:schemeClr>
+                </a:solidFill>
+              </a:defRPr>
+            </a:lvl4pPr>
+            <a:lvl5pPr marL="990661" indent="0">
+              <a:buNone/>
+              <a:defRPr sz="867">
+                <a:solidFill>
+                  <a:schemeClr val="tx1">
+                    <a:tint val="75000"/>
+                  </a:schemeClr>
+                </a:solidFill>
+              </a:defRPr>
+            </a:lvl5pPr>
+            <a:lvl6pPr marL="1238326" indent="0">
+              <a:buNone/>
+              <a:defRPr sz="867">
+                <a:solidFill>
+                  <a:schemeClr val="tx1">
+                    <a:tint val="75000"/>
+                  </a:schemeClr>
+                </a:solidFill>
+              </a:defRPr>
+            </a:lvl6pPr>
+            <a:lvl7pPr marL="1485991" indent="0">
+              <a:buNone/>
+              <a:defRPr sz="867">
+                <a:solidFill>
+                  <a:schemeClr val="tx1">
+                    <a:tint val="75000"/>
+                  </a:schemeClr>
+                </a:solidFill>
+              </a:defRPr>
+            </a:lvl7pPr>
+            <a:lvl8pPr marL="1733657" indent="0">
+              <a:buNone/>
+              <a:defRPr sz="867">
+                <a:solidFill>
+                  <a:schemeClr val="tx1">
+                    <a:tint val="75000"/>
+                  </a:schemeClr>
+                </a:solidFill>
+              </a:defRPr>
+            </a:lvl8pPr>
+            <a:lvl9pPr marL="1981322" indent="0">
+              <a:buNone/>
+              <a:defRPr sz="867">
+                <a:solidFill>
+                  <a:schemeClr val="tx1">
+                    <a:tint val="75000"/>
+                  </a:schemeClr>
+                </a:solidFill>
+              </a:defRPr>
+            </a:lvl9pPr>
+          </a:lstStyle>
+          <a:p>
+            <a:pPr lvl="0"/>
+            <a:r>
+              <a:rPr lang="fr-FR"/>
+              <a:t>Cliquez pour modifier les styles du texte du masque</a:t>
+            </a:r>
+          </a:p>
+        </p:txBody>
+      </p:sp>
+      <p:sp>
+        <p:nvSpPr>
+          <p:cNvPr id="4" name="Date Placeholder 3"/>
+          <p:cNvSpPr>
+            <a:spLocks noGrp="1"/>
+          </p:cNvSpPr>
+          <p:nvPr>
+            <p:ph type="dt" sz="half" idx="10"/>
+          </p:nvPr>
+        </p:nvSpPr>
+        <p:spPr/>
+        <p:txBody>
+          <a:bodyPr/>
+          <a:lstStyle/>
+          <a:p>
+            <a:fld id="{4F9D0EE7-5FFA-4A88-B51D-A0F9CB847ED6}" type="datetimeFigureOut">
+              <a:rPr lang="fr-FR" smtClean="0"/>
+              <a:t>10/11/2023</a:t>
+            </a:fld>
+            <a:endParaRPr lang="fr-FR"/>
+          </a:p>
+        </p:txBody>
+      </p:sp>
+      <p:sp>
+        <p:nvSpPr>
+          <p:cNvPr id="5" name="Footer Placeholder 4"/>
+          <p:cNvSpPr>
+            <a:spLocks noGrp="1"/>
+          </p:cNvSpPr>
+          <p:nvPr>
+            <p:ph type="ftr" sz="quarter" idx="11"/>
+          </p:nvPr>
+        </p:nvSpPr>
+        <p:spPr/>
+        <p:txBody>
+          <a:bodyPr/>
+          <a:lstStyle/>
+          <a:p>
+            <a:endParaRPr lang="fr-FR"/>
+          </a:p>
+        </p:txBody>
+      </p:sp>
+      <p:sp>
+        <p:nvSpPr>
+          <p:cNvPr id="6" name="Slide Number Placeholder 5"/>
+          <p:cNvSpPr>
+            <a:spLocks noGrp="1"/>
+          </p:cNvSpPr>
+          <p:nvPr>
+            <p:ph type="sldNum" sz="quarter" idx="12"/>
+          </p:nvPr>
+        </p:nvSpPr>
+        <p:spPr/>
+        <p:txBody>
+          <a:bodyPr/>
+          <a:lstStyle/>
+          <a:p>
+            <a:fld id="{72600150-C123-420B-849A-7F3C001977BF}" type="slidenum">
+              <a:rPr lang="fr-FR" smtClean="0"/>
+              <a:t>‹N°›</a:t>
+            </a:fld>
+            <a:endParaRPr lang="fr-FR"/>
+          </a:p>
+        </p:txBody>
+      </p:sp>
+    </p:spTree>
+    <p:extLst>
+      <p:ext uri="{BB962C8B-B14F-4D97-AF65-F5344CB8AC3E}">
+        <p14:creationId xmlns:p14="http://schemas.microsoft.com/office/powerpoint/2010/main" val="1026562944"/>
+      </p:ext>
+    </p:extLst>
+  </p:cSld>
+  <p:clrMapOvr>
+    <a:masterClrMapping/>
+  </p:clrMapOvr>
+</p:sldLayout>
+</file>
+
+<file path=ppt/slideLayouts/slideLayout4.xml><?xml version="1.0" encoding="utf-8"?>
+<p:sldLayout xmlns:a="http://schemas.openxmlformats.org/drawingml/2006/main" xmlns:r="http://schemas.openxmlformats.org/officeDocument/2006/relationships" xmlns:p="http://schemas.openxmlformats.org/presentationml/2006/main" type="twoObj" preserve="1">
+  <p:cSld name="Deux contenus">
+    <p:spTree>
+      <p:nvGrpSpPr>
+        <p:cNvPr id="1" name=""/>
+        <p:cNvGrpSpPr/>
+        <p:nvPr/>
+      </p:nvGrpSpPr>
+      <p:grpSpPr>
+        <a:xfrm>
+          <a:off x="0" y="0"/>
+          <a:ext cx="0" cy="0"/>
+          <a:chOff x="0" y="0"/>
+          <a:chExt cx="0" cy="0"/>
+        </a:xfrm>
+      </p:grpSpPr>
+      <p:sp>
+        <p:nvSpPr>
+          <p:cNvPr id="2" name="Title 1"/>
+          <p:cNvSpPr>
+            <a:spLocks noGrp="1"/>
+          </p:cNvSpPr>
+          <p:nvPr>
+            <p:ph type="title"/>
+          </p:nvPr>
+        </p:nvSpPr>
+        <p:spPr/>
+        <p:txBody>
+          <a:bodyPr/>
+          <a:lstStyle/>
+          <a:p>
+            <a:r>
+              <a:rPr lang="fr-FR"/>
+              <a:t>Modifiez le style du titre</a:t>
+            </a:r>
+            <a:endParaRPr lang="en-US" dirty="0"/>
+          </a:p>
+        </p:txBody>
+      </p:sp>
+      <p:sp>
+        <p:nvSpPr>
+          <p:cNvPr id="3" name="Content Placeholder 2"/>
+          <p:cNvSpPr>
+            <a:spLocks noGrp="1"/>
+          </p:cNvSpPr>
+          <p:nvPr>
+            <p:ph sz="half" idx="1"/>
+          </p:nvPr>
+        </p:nvSpPr>
+        <p:spPr>
+          <a:xfrm>
+            <a:off x="715199" y="988880"/>
+            <a:ext cx="4421227" cy="2356975"/>
+          </a:xfrm>
+        </p:spPr>
+        <p:txBody>
+          <a:bodyPr/>
+          <a:lstStyle/>
+          <a:p>
+            <a:pPr lvl="0"/>
+            <a:r>
+              <a:rPr lang="fr-FR"/>
+              <a:t>Cliquez pour modifier les styles du texte du masque</a:t>
+            </a:r>
+          </a:p>
+          <a:p>
+            <a:pPr lvl="1"/>
+            <a:r>
+              <a:rPr lang="fr-FR"/>
+              <a:t>Deuxième niveau</a:t>
+            </a:r>
+          </a:p>
+          <a:p>
+            <a:pPr lvl="2"/>
+            <a:r>
+              <a:rPr lang="fr-FR"/>
+              <a:t>Troisième niveau</a:t>
+            </a:r>
+          </a:p>
+          <a:p>
+            <a:pPr lvl="3"/>
+            <a:r>
+              <a:rPr lang="fr-FR"/>
+              <a:t>Quatrième niveau</a:t>
+            </a:r>
+          </a:p>
+          <a:p>
+            <a:pPr lvl="4"/>
+            <a:r>
+              <a:rPr lang="fr-FR"/>
+              <a:t>Cinquième niveau</a:t>
+            </a:r>
+            <a:endParaRPr lang="en-US" dirty="0"/>
+          </a:p>
+        </p:txBody>
+      </p:sp>
+      <p:sp>
+        <p:nvSpPr>
+          <p:cNvPr id="4" name="Content Placeholder 3"/>
+          <p:cNvSpPr>
+            <a:spLocks noGrp="1"/>
+          </p:cNvSpPr>
+          <p:nvPr>
+            <p:ph sz="half" idx="2"/>
+          </p:nvPr>
+        </p:nvSpPr>
+        <p:spPr>
+          <a:xfrm>
+            <a:off x="5266462" y="988880"/>
+            <a:ext cx="4421227" cy="2356975"/>
+          </a:xfrm>
+        </p:spPr>
+        <p:txBody>
+          <a:bodyPr/>
+          <a:lstStyle/>
+          <a:p>
+            <a:pPr lvl="0"/>
+            <a:r>
+              <a:rPr lang="fr-FR"/>
+              <a:t>Cliquez pour modifier les styles du texte du masque</a:t>
+            </a:r>
+          </a:p>
+          <a:p>
+            <a:pPr lvl="1"/>
+            <a:r>
+              <a:rPr lang="fr-FR"/>
+              <a:t>Deuxième niveau</a:t>
+            </a:r>
+          </a:p>
+          <a:p>
+            <a:pPr lvl="2"/>
+            <a:r>
+              <a:rPr lang="fr-FR"/>
+              <a:t>Troisième niveau</a:t>
+            </a:r>
+          </a:p>
+          <a:p>
+            <a:pPr lvl="3"/>
+            <a:r>
+              <a:rPr lang="fr-FR"/>
+              <a:t>Quatrième niveau</a:t>
+            </a:r>
+          </a:p>
+          <a:p>
+            <a:pPr lvl="4"/>
+            <a:r>
+              <a:rPr lang="fr-FR"/>
+              <a:t>Cinquième niveau</a:t>
+            </a:r>
+            <a:endParaRPr lang="en-US" dirty="0"/>
+          </a:p>
+        </p:txBody>
+      </p:sp>
+      <p:sp>
+        <p:nvSpPr>
+          <p:cNvPr id="5" name="Date Placeholder 4"/>
+          <p:cNvSpPr>
+            <a:spLocks noGrp="1"/>
+          </p:cNvSpPr>
+          <p:nvPr>
+            <p:ph type="dt" sz="half" idx="10"/>
+          </p:nvPr>
+        </p:nvSpPr>
+        <p:spPr/>
+        <p:txBody>
+          <a:bodyPr/>
+          <a:lstStyle/>
+          <a:p>
+            <a:fld id="{4F9D0EE7-5FFA-4A88-B51D-A0F9CB847ED6}" type="datetimeFigureOut">
+              <a:rPr lang="fr-FR" smtClean="0"/>
+              <a:t>10/11/2023</a:t>
+            </a:fld>
+            <a:endParaRPr lang="fr-FR"/>
+          </a:p>
+        </p:txBody>
+      </p:sp>
+      <p:sp>
+        <p:nvSpPr>
+          <p:cNvPr id="6" name="Footer Placeholder 5"/>
+          <p:cNvSpPr>
+            <a:spLocks noGrp="1"/>
+          </p:cNvSpPr>
+          <p:nvPr>
+            <p:ph type="ftr" sz="quarter" idx="11"/>
+          </p:nvPr>
+        </p:nvSpPr>
+        <p:spPr/>
+        <p:txBody>
+          <a:bodyPr/>
+          <a:lstStyle/>
+          <a:p>
+            <a:endParaRPr lang="fr-FR"/>
+          </a:p>
+        </p:txBody>
+      </p:sp>
+      <p:sp>
+        <p:nvSpPr>
+          <p:cNvPr id="7" name="Slide Number Placeholder 6"/>
+          <p:cNvSpPr>
+            <a:spLocks noGrp="1"/>
+          </p:cNvSpPr>
+          <p:nvPr>
+            <p:ph type="sldNum" sz="quarter" idx="12"/>
+          </p:nvPr>
+        </p:nvSpPr>
+        <p:spPr/>
+        <p:txBody>
+          <a:bodyPr/>
+          <a:lstStyle/>
+          <a:p>
+            <a:fld id="{72600150-C123-420B-849A-7F3C001977BF}" type="slidenum">
+              <a:rPr lang="fr-FR" smtClean="0"/>
+              <a:t>‹N°›</a:t>
+            </a:fld>
+            <a:endParaRPr lang="fr-FR"/>
+          </a:p>
+        </p:txBody>
+      </p:sp>
+    </p:spTree>
+    <p:extLst>
+      <p:ext uri="{BB962C8B-B14F-4D97-AF65-F5344CB8AC3E}">
+        <p14:creationId xmlns:p14="http://schemas.microsoft.com/office/powerpoint/2010/main" val="1983848203"/>
+      </p:ext>
+    </p:extLst>
+  </p:cSld>
+  <p:clrMapOvr>
+    <a:masterClrMapping/>
+  </p:clrMapOvr>
+</p:sldLayout>
+</file>
+
+<file path=ppt/slideLayouts/slideLayout5.xml><?xml version="1.0" encoding="utf-8"?>
+<p:sldLayout xmlns:a="http://schemas.openxmlformats.org/drawingml/2006/main" xmlns:r="http://schemas.openxmlformats.org/officeDocument/2006/relationships" xmlns:p="http://schemas.openxmlformats.org/presentationml/2006/main" type="twoTxTwoObj" preserve="1">
+  <p:cSld name="Comparaison">
+    <p:spTree>
+      <p:nvGrpSpPr>
+        <p:cNvPr id="1" name=""/>
+        <p:cNvGrpSpPr/>
+        <p:nvPr/>
+      </p:nvGrpSpPr>
+      <p:grpSpPr>
+        <a:xfrm>
+          <a:off x="0" y="0"/>
+          <a:ext cx="0" cy="0"/>
+          <a:chOff x="0" y="0"/>
+          <a:chExt cx="0" cy="0"/>
+        </a:xfrm>
+      </p:grpSpPr>
+      <p:sp>
+        <p:nvSpPr>
+          <p:cNvPr id="2" name="Title 1"/>
+          <p:cNvSpPr>
+            <a:spLocks noGrp="1"/>
+          </p:cNvSpPr>
+          <p:nvPr>
+            <p:ph type="title"/>
+          </p:nvPr>
+        </p:nvSpPr>
+        <p:spPr>
+          <a:xfrm>
+            <a:off x="716553" y="197776"/>
+            <a:ext cx="8972491" cy="718013"/>
+          </a:xfrm>
+        </p:spPr>
+        <p:txBody>
+          <a:bodyPr/>
+          <a:lstStyle/>
+          <a:p>
+            <a:r>
+              <a:rPr lang="fr-FR"/>
+              <a:t>Modifiez le style du titre</a:t>
+            </a:r>
+            <a:endParaRPr lang="en-US" dirty="0"/>
+          </a:p>
+        </p:txBody>
+      </p:sp>
+      <p:sp>
+        <p:nvSpPr>
+          <p:cNvPr id="3" name="Text Placeholder 2"/>
+          <p:cNvSpPr>
+            <a:spLocks noGrp="1"/>
+          </p:cNvSpPr>
+          <p:nvPr>
+            <p:ph type="body" idx="1"/>
+          </p:nvPr>
+        </p:nvSpPr>
+        <p:spPr>
+          <a:xfrm>
+            <a:off x="716554" y="910630"/>
+            <a:ext cx="4400909" cy="446286"/>
+          </a:xfrm>
+        </p:spPr>
+        <p:txBody>
+          <a:bodyPr anchor="b"/>
+          <a:lstStyle>
+            <a:lvl1pPr marL="0" indent="0">
+              <a:buNone/>
+              <a:defRPr sz="1300" b="1"/>
+            </a:lvl1pPr>
+            <a:lvl2pPr marL="247665" indent="0">
+              <a:buNone/>
+              <a:defRPr sz="1083" b="1"/>
+            </a:lvl2pPr>
+            <a:lvl3pPr marL="495330" indent="0">
+              <a:buNone/>
+              <a:defRPr sz="975" b="1"/>
+            </a:lvl3pPr>
+            <a:lvl4pPr marL="742996" indent="0">
+              <a:buNone/>
+              <a:defRPr sz="867" b="1"/>
+            </a:lvl4pPr>
+            <a:lvl5pPr marL="990661" indent="0">
+              <a:buNone/>
+              <a:defRPr sz="867" b="1"/>
+            </a:lvl5pPr>
+            <a:lvl6pPr marL="1238326" indent="0">
+              <a:buNone/>
+              <a:defRPr sz="867" b="1"/>
+            </a:lvl6pPr>
+            <a:lvl7pPr marL="1485991" indent="0">
+              <a:buNone/>
+              <a:defRPr sz="867" b="1"/>
+            </a:lvl7pPr>
+            <a:lvl8pPr marL="1733657" indent="0">
+              <a:buNone/>
+              <a:defRPr sz="867" b="1"/>
+            </a:lvl8pPr>
+            <a:lvl9pPr marL="1981322" indent="0">
+              <a:buNone/>
+              <a:defRPr sz="867" b="1"/>
+            </a:lvl9pPr>
+          </a:lstStyle>
+          <a:p>
+            <a:pPr lvl="0"/>
+            <a:r>
+              <a:rPr lang="fr-FR"/>
+              <a:t>Cliquez pour modifier les styles du texte du masque</a:t>
+            </a:r>
+          </a:p>
+        </p:txBody>
+      </p:sp>
+      <p:sp>
+        <p:nvSpPr>
+          <p:cNvPr id="4" name="Content Placeholder 3"/>
+          <p:cNvSpPr>
+            <a:spLocks noGrp="1"/>
+          </p:cNvSpPr>
+          <p:nvPr>
+            <p:ph sz="half" idx="2"/>
+          </p:nvPr>
+        </p:nvSpPr>
+        <p:spPr>
+          <a:xfrm>
+            <a:off x="716554" y="1356915"/>
+            <a:ext cx="4400909" cy="1995819"/>
+          </a:xfrm>
+        </p:spPr>
+        <p:txBody>
+          <a:bodyPr/>
+          <a:lstStyle/>
+          <a:p>
+            <a:pPr lvl="0"/>
+            <a:r>
+              <a:rPr lang="fr-FR"/>
+              <a:t>Cliquez pour modifier les styles du texte du masque</a:t>
+            </a:r>
+          </a:p>
+          <a:p>
+            <a:pPr lvl="1"/>
+            <a:r>
+              <a:rPr lang="fr-FR"/>
+              <a:t>Deuxième niveau</a:t>
+            </a:r>
+          </a:p>
+          <a:p>
+            <a:pPr lvl="2"/>
+            <a:r>
+              <a:rPr lang="fr-FR"/>
+              <a:t>Troisième niveau</a:t>
+            </a:r>
+          </a:p>
+          <a:p>
+            <a:pPr lvl="3"/>
+            <a:r>
+              <a:rPr lang="fr-FR"/>
+              <a:t>Quatrième niveau</a:t>
+            </a:r>
+          </a:p>
+          <a:p>
+            <a:pPr lvl="4"/>
+            <a:r>
+              <a:rPr lang="fr-FR"/>
+              <a:t>Cinquième niveau</a:t>
+            </a:r>
+            <a:endParaRPr lang="en-US" dirty="0"/>
+          </a:p>
+        </p:txBody>
+      </p:sp>
+      <p:sp>
+        <p:nvSpPr>
+          <p:cNvPr id="5" name="Text Placeholder 4"/>
+          <p:cNvSpPr>
+            <a:spLocks noGrp="1"/>
+          </p:cNvSpPr>
+          <p:nvPr>
+            <p:ph type="body" sz="quarter" idx="3"/>
+          </p:nvPr>
+        </p:nvSpPr>
+        <p:spPr>
+          <a:xfrm>
+            <a:off x="5266462" y="910630"/>
+            <a:ext cx="4422582" cy="446286"/>
+          </a:xfrm>
+        </p:spPr>
+        <p:txBody>
+          <a:bodyPr anchor="b"/>
+          <a:lstStyle>
+            <a:lvl1pPr marL="0" indent="0">
+              <a:buNone/>
+              <a:defRPr sz="1300" b="1"/>
+            </a:lvl1pPr>
+            <a:lvl2pPr marL="247665" indent="0">
+              <a:buNone/>
+              <a:defRPr sz="1083" b="1"/>
+            </a:lvl2pPr>
+            <a:lvl3pPr marL="495330" indent="0">
+              <a:buNone/>
+              <a:defRPr sz="975" b="1"/>
+            </a:lvl3pPr>
+            <a:lvl4pPr marL="742996" indent="0">
+              <a:buNone/>
+              <a:defRPr sz="867" b="1"/>
+            </a:lvl4pPr>
+            <a:lvl5pPr marL="990661" indent="0">
+              <a:buNone/>
+              <a:defRPr sz="867" b="1"/>
+            </a:lvl5pPr>
+            <a:lvl6pPr marL="1238326" indent="0">
+              <a:buNone/>
+              <a:defRPr sz="867" b="1"/>
+            </a:lvl6pPr>
+            <a:lvl7pPr marL="1485991" indent="0">
+              <a:buNone/>
+              <a:defRPr sz="867" b="1"/>
+            </a:lvl7pPr>
+            <a:lvl8pPr marL="1733657" indent="0">
+              <a:buNone/>
+              <a:defRPr sz="867" b="1"/>
+            </a:lvl8pPr>
+            <a:lvl9pPr marL="1981322" indent="0">
+              <a:buNone/>
+              <a:defRPr sz="867" b="1"/>
+            </a:lvl9pPr>
+          </a:lstStyle>
+          <a:p>
+            <a:pPr lvl="0"/>
+            <a:r>
+              <a:rPr lang="fr-FR"/>
+              <a:t>Cliquez pour modifier les styles du texte du masque</a:t>
+            </a:r>
+          </a:p>
+        </p:txBody>
+      </p:sp>
+      <p:sp>
+        <p:nvSpPr>
+          <p:cNvPr id="6" name="Content Placeholder 5"/>
+          <p:cNvSpPr>
+            <a:spLocks noGrp="1"/>
+          </p:cNvSpPr>
+          <p:nvPr>
+            <p:ph sz="quarter" idx="4"/>
+          </p:nvPr>
+        </p:nvSpPr>
+        <p:spPr>
+          <a:xfrm>
+            <a:off x="5266462" y="1356915"/>
+            <a:ext cx="4422582" cy="1995819"/>
+          </a:xfrm>
+        </p:spPr>
+        <p:txBody>
+          <a:bodyPr/>
+          <a:lstStyle/>
+          <a:p>
+            <a:pPr lvl="0"/>
+            <a:r>
+              <a:rPr lang="fr-FR"/>
+              <a:t>Cliquez pour modifier les styles du texte du masque</a:t>
+            </a:r>
+          </a:p>
+          <a:p>
+            <a:pPr lvl="1"/>
+            <a:r>
+              <a:rPr lang="fr-FR"/>
+              <a:t>Deuxième niveau</a:t>
+            </a:r>
+          </a:p>
+          <a:p>
+            <a:pPr lvl="2"/>
+            <a:r>
+              <a:rPr lang="fr-FR"/>
+              <a:t>Troisième niveau</a:t>
+            </a:r>
+          </a:p>
+          <a:p>
+            <a:pPr lvl="3"/>
+            <a:r>
+              <a:rPr lang="fr-FR"/>
+              <a:t>Quatrième niveau</a:t>
+            </a:r>
+          </a:p>
+          <a:p>
+            <a:pPr lvl="4"/>
+            <a:r>
+              <a:rPr lang="fr-FR"/>
+              <a:t>Cinquième niveau</a:t>
+            </a:r>
+            <a:endParaRPr lang="en-US" dirty="0"/>
+          </a:p>
+        </p:txBody>
+      </p:sp>
+      <p:sp>
+        <p:nvSpPr>
+          <p:cNvPr id="7" name="Date Placeholder 6"/>
+          <p:cNvSpPr>
+            <a:spLocks noGrp="1"/>
+          </p:cNvSpPr>
+          <p:nvPr>
+            <p:ph type="dt" sz="half" idx="10"/>
+          </p:nvPr>
+        </p:nvSpPr>
+        <p:spPr/>
+        <p:txBody>
+          <a:bodyPr/>
+          <a:lstStyle/>
+          <a:p>
+            <a:fld id="{4F9D0EE7-5FFA-4A88-B51D-A0F9CB847ED6}" type="datetimeFigureOut">
+              <a:rPr lang="fr-FR" smtClean="0"/>
+              <a:t>10/11/2023</a:t>
+            </a:fld>
+            <a:endParaRPr lang="fr-FR"/>
+          </a:p>
+        </p:txBody>
+      </p:sp>
+      <p:sp>
+        <p:nvSpPr>
+          <p:cNvPr id="8" name="Footer Placeholder 7"/>
+          <p:cNvSpPr>
+            <a:spLocks noGrp="1"/>
+          </p:cNvSpPr>
+          <p:nvPr>
+            <p:ph type="ftr" sz="quarter" idx="11"/>
+          </p:nvPr>
+        </p:nvSpPr>
+        <p:spPr/>
+        <p:txBody>
+          <a:bodyPr/>
+          <a:lstStyle/>
+          <a:p>
+            <a:endParaRPr lang="fr-FR"/>
+          </a:p>
+        </p:txBody>
+      </p:sp>
+      <p:sp>
+        <p:nvSpPr>
+          <p:cNvPr id="9" name="Slide Number Placeholder 8"/>
+          <p:cNvSpPr>
+            <a:spLocks noGrp="1"/>
+          </p:cNvSpPr>
+          <p:nvPr>
+            <p:ph type="sldNum" sz="quarter" idx="12"/>
+          </p:nvPr>
+        </p:nvSpPr>
+        <p:spPr/>
+        <p:txBody>
+          <a:bodyPr/>
+          <a:lstStyle/>
+          <a:p>
+            <a:fld id="{72600150-C123-420B-849A-7F3C001977BF}" type="slidenum">
+              <a:rPr lang="fr-FR" smtClean="0"/>
+              <a:t>‹N°›</a:t>
+            </a:fld>
+            <a:endParaRPr lang="fr-FR"/>
+          </a:p>
+        </p:txBody>
+      </p:sp>
+    </p:spTree>
+    <p:extLst>
+      <p:ext uri="{BB962C8B-B14F-4D97-AF65-F5344CB8AC3E}">
+        <p14:creationId xmlns:p14="http://schemas.microsoft.com/office/powerpoint/2010/main" val="3910417214"/>
+      </p:ext>
+    </p:extLst>
+  </p:cSld>
+  <p:clrMapOvr>
+    <a:masterClrMapping/>
+  </p:clrMapOvr>
+</p:sldLayout>
+</file>
+
+<file path=ppt/slideLayouts/slideLayout6.xml><?xml version="1.0" encoding="utf-8"?>
+<p:sldLayout xmlns:a="http://schemas.openxmlformats.org/drawingml/2006/main" xmlns:r="http://schemas.openxmlformats.org/officeDocument/2006/relationships" xmlns:p="http://schemas.openxmlformats.org/presentationml/2006/main" type="titleOnly" preserve="1">
+  <p:cSld name="Titre seul">
+    <p:spTree>
+      <p:nvGrpSpPr>
+        <p:cNvPr id="1" name=""/>
+        <p:cNvGrpSpPr/>
+        <p:nvPr/>
+      </p:nvGrpSpPr>
+      <p:grpSpPr>
+        <a:xfrm>
+          <a:off x="0" y="0"/>
+          <a:ext cx="0" cy="0"/>
+          <a:chOff x="0" y="0"/>
+          <a:chExt cx="0" cy="0"/>
+        </a:xfrm>
+      </p:grpSpPr>
+      <p:sp>
+        <p:nvSpPr>
+          <p:cNvPr id="2" name="Title 1"/>
+          <p:cNvSpPr>
+            <a:spLocks noGrp="1"/>
+          </p:cNvSpPr>
+          <p:nvPr>
+            <p:ph type="title"/>
+          </p:nvPr>
+        </p:nvSpPr>
+        <p:spPr/>
+        <p:txBody>
+          <a:bodyPr/>
+          <a:lstStyle/>
+          <a:p>
+            <a:r>
+              <a:rPr lang="fr-FR"/>
+              <a:t>Modifiez le style du titre</a:t>
+            </a:r>
+            <a:endParaRPr lang="en-US" dirty="0"/>
+          </a:p>
+        </p:txBody>
+      </p:sp>
+      <p:sp>
+        <p:nvSpPr>
+          <p:cNvPr id="3" name="Date Placeholder 2"/>
+          <p:cNvSpPr>
+            <a:spLocks noGrp="1"/>
+          </p:cNvSpPr>
+          <p:nvPr>
+            <p:ph type="dt" sz="half" idx="10"/>
+          </p:nvPr>
+        </p:nvSpPr>
+        <p:spPr/>
+        <p:txBody>
+          <a:bodyPr/>
+          <a:lstStyle/>
+          <a:p>
+            <a:fld id="{4F9D0EE7-5FFA-4A88-B51D-A0F9CB847ED6}" type="datetimeFigureOut">
+              <a:rPr lang="fr-FR" smtClean="0"/>
+              <a:t>10/11/2023</a:t>
+            </a:fld>
+            <a:endParaRPr lang="fr-FR"/>
+          </a:p>
+        </p:txBody>
+      </p:sp>
+      <p:sp>
+        <p:nvSpPr>
+          <p:cNvPr id="4" name="Footer Placeholder 3"/>
+          <p:cNvSpPr>
+            <a:spLocks noGrp="1"/>
+          </p:cNvSpPr>
+          <p:nvPr>
+            <p:ph type="ftr" sz="quarter" idx="11"/>
+          </p:nvPr>
+        </p:nvSpPr>
+        <p:spPr/>
+        <p:txBody>
+          <a:bodyPr/>
+          <a:lstStyle/>
+          <a:p>
+            <a:endParaRPr lang="fr-FR"/>
+          </a:p>
+        </p:txBody>
+      </p:sp>
+      <p:sp>
+        <p:nvSpPr>
+          <p:cNvPr id="5" name="Slide Number Placeholder 4"/>
+          <p:cNvSpPr>
+            <a:spLocks noGrp="1"/>
+          </p:cNvSpPr>
+          <p:nvPr>
+            <p:ph type="sldNum" sz="quarter" idx="12"/>
+          </p:nvPr>
+        </p:nvSpPr>
+        <p:spPr/>
+        <p:txBody>
+          <a:bodyPr/>
+          <a:lstStyle/>
+          <a:p>
+            <a:fld id="{72600150-C123-420B-849A-7F3C001977BF}" type="slidenum">
+              <a:rPr lang="fr-FR" smtClean="0"/>
+              <a:t>‹N°›</a:t>
+            </a:fld>
+            <a:endParaRPr lang="fr-FR"/>
+          </a:p>
+        </p:txBody>
+      </p:sp>
+    </p:spTree>
+    <p:extLst>
+      <p:ext uri="{BB962C8B-B14F-4D97-AF65-F5344CB8AC3E}">
+        <p14:creationId xmlns:p14="http://schemas.microsoft.com/office/powerpoint/2010/main" val="1204899851"/>
+      </p:ext>
+    </p:extLst>
+  </p:cSld>
+  <p:clrMapOvr>
+    <a:masterClrMapping/>
+  </p:clrMapOvr>
+</p:sldLayout>
+</file>
+
+<file path=ppt/slideLayouts/slideLayout7.xml><?xml version="1.0" encoding="utf-8"?>
+<p:sldLayout xmlns:a="http://schemas.openxmlformats.org/drawingml/2006/main" xmlns:r="http://schemas.openxmlformats.org/officeDocument/2006/relationships" xmlns:p="http://schemas.openxmlformats.org/presentationml/2006/main" type="blank" preserve="1">
+  <p:cSld name="Vide">
+    <p:spTree>
+      <p:nvGrpSpPr>
+        <p:cNvPr id="1" name=""/>
+        <p:cNvGrpSpPr/>
+        <p:nvPr/>
+      </p:nvGrpSpPr>
+      <p:grpSpPr>
+        <a:xfrm>
+          <a:off x="0" y="0"/>
+          <a:ext cx="0" cy="0"/>
+          <a:chOff x="0" y="0"/>
+          <a:chExt cx="0" cy="0"/>
+        </a:xfrm>
+      </p:grpSpPr>
+      <p:sp>
+        <p:nvSpPr>
+          <p:cNvPr id="2" name="Date Placeholder 1"/>
+          <p:cNvSpPr>
+            <a:spLocks noGrp="1"/>
+          </p:cNvSpPr>
+          <p:nvPr>
+            <p:ph type="dt" sz="half" idx="10"/>
+          </p:nvPr>
+        </p:nvSpPr>
+        <p:spPr/>
+        <p:txBody>
+          <a:bodyPr/>
+          <a:lstStyle/>
+          <a:p>
+            <a:fld id="{4F9D0EE7-5FFA-4A88-B51D-A0F9CB847ED6}" type="datetimeFigureOut">
+              <a:rPr lang="fr-FR" smtClean="0"/>
+              <a:t>10/11/2023</a:t>
+            </a:fld>
+            <a:endParaRPr lang="fr-FR"/>
+          </a:p>
+        </p:txBody>
+      </p:sp>
+      <p:sp>
+        <p:nvSpPr>
+          <p:cNvPr id="3" name="Footer Placeholder 2"/>
+          <p:cNvSpPr>
+            <a:spLocks noGrp="1"/>
+          </p:cNvSpPr>
+          <p:nvPr>
+            <p:ph type="ftr" sz="quarter" idx="11"/>
+          </p:nvPr>
+        </p:nvSpPr>
+        <p:spPr/>
+        <p:txBody>
+          <a:bodyPr/>
+          <a:lstStyle/>
+          <a:p>
+            <a:endParaRPr lang="fr-FR"/>
+          </a:p>
+        </p:txBody>
+      </p:sp>
+      <p:sp>
+        <p:nvSpPr>
+          <p:cNvPr id="4" name="Slide Number Placeholder 3"/>
+          <p:cNvSpPr>
+            <a:spLocks noGrp="1"/>
+          </p:cNvSpPr>
+          <p:nvPr>
+            <p:ph type="sldNum" sz="quarter" idx="12"/>
+          </p:nvPr>
+        </p:nvSpPr>
+        <p:spPr/>
+        <p:txBody>
+          <a:bodyPr/>
+          <a:lstStyle/>
+          <a:p>
+            <a:fld id="{72600150-C123-420B-849A-7F3C001977BF}" type="slidenum">
+              <a:rPr lang="fr-FR" smtClean="0"/>
+              <a:t>‹N°›</a:t>
+            </a:fld>
+            <a:endParaRPr lang="fr-FR"/>
+          </a:p>
+        </p:txBody>
+      </p:sp>
+    </p:spTree>
+    <p:extLst>
+      <p:ext uri="{BB962C8B-B14F-4D97-AF65-F5344CB8AC3E}">
+        <p14:creationId xmlns:p14="http://schemas.microsoft.com/office/powerpoint/2010/main" val="1034909"/>
+      </p:ext>
+    </p:extLst>
+  </p:cSld>
+  <p:clrMapOvr>
+    <a:masterClrMapping/>
+  </p:clrMapOvr>
+</p:sldLayout>
+</file>
+
+<file path=ppt/slideLayouts/slideLayout8.xml><?xml version="1.0" encoding="utf-8"?>
+<p:sldLayout xmlns:a="http://schemas.openxmlformats.org/drawingml/2006/main" xmlns:r="http://schemas.openxmlformats.org/officeDocument/2006/relationships" xmlns:p="http://schemas.openxmlformats.org/presentationml/2006/main" type="objTx" preserve="1">
+  <p:cSld name="Contenu avec légende">
+    <p:spTree>
+      <p:nvGrpSpPr>
+        <p:cNvPr id="1" name=""/>
+        <p:cNvGrpSpPr/>
+        <p:nvPr/>
+      </p:nvGrpSpPr>
+      <p:grpSpPr>
+        <a:xfrm>
+          <a:off x="0" y="0"/>
+          <a:ext cx="0" cy="0"/>
+          <a:chOff x="0" y="0"/>
+          <a:chExt cx="0" cy="0"/>
+        </a:xfrm>
+      </p:grpSpPr>
+      <p:sp>
+        <p:nvSpPr>
+          <p:cNvPr id="2" name="Title 1"/>
+          <p:cNvSpPr>
+            <a:spLocks noGrp="1"/>
+          </p:cNvSpPr>
+          <p:nvPr>
+            <p:ph type="title"/>
+          </p:nvPr>
+        </p:nvSpPr>
+        <p:spPr>
+          <a:xfrm>
+            <a:off x="716554" y="247650"/>
+            <a:ext cx="3355202" cy="866775"/>
+          </a:xfrm>
+        </p:spPr>
+        <p:txBody>
+          <a:bodyPr anchor="b"/>
+          <a:lstStyle>
+            <a:lvl1pPr>
+              <a:defRPr sz="1733"/>
+            </a:lvl1pPr>
+          </a:lstStyle>
+          <a:p>
+            <a:r>
+              <a:rPr lang="fr-FR"/>
+              <a:t>Modifiez le style du titre</a:t>
+            </a:r>
+            <a:endParaRPr lang="en-US" dirty="0"/>
+          </a:p>
+        </p:txBody>
+      </p:sp>
+      <p:sp>
+        <p:nvSpPr>
+          <p:cNvPr id="3" name="Content Placeholder 2"/>
+          <p:cNvSpPr>
+            <a:spLocks noGrp="1"/>
+          </p:cNvSpPr>
+          <p:nvPr>
+            <p:ph idx="1"/>
+          </p:nvPr>
+        </p:nvSpPr>
+        <p:spPr>
+          <a:xfrm>
+            <a:off x="4422582" y="534856"/>
+            <a:ext cx="5266462" cy="2639880"/>
+          </a:xfrm>
+        </p:spPr>
+        <p:txBody>
+          <a:bodyPr/>
+          <a:lstStyle>
+            <a:lvl1pPr>
+              <a:defRPr sz="1733"/>
+            </a:lvl1pPr>
+            <a:lvl2pPr>
+              <a:defRPr sz="1517"/>
+            </a:lvl2pPr>
+            <a:lvl3pPr>
+              <a:defRPr sz="1300"/>
+            </a:lvl3pPr>
+            <a:lvl4pPr>
+              <a:defRPr sz="1083"/>
+            </a:lvl4pPr>
+            <a:lvl5pPr>
+              <a:defRPr sz="1083"/>
+            </a:lvl5pPr>
+            <a:lvl6pPr>
+              <a:defRPr sz="1083"/>
+            </a:lvl6pPr>
+            <a:lvl7pPr>
+              <a:defRPr sz="1083"/>
+            </a:lvl7pPr>
+            <a:lvl8pPr>
+              <a:defRPr sz="1083"/>
+            </a:lvl8pPr>
+            <a:lvl9pPr>
+              <a:defRPr sz="1083"/>
+            </a:lvl9pPr>
+          </a:lstStyle>
+          <a:p>
+            <a:pPr lvl="0"/>
+            <a:r>
+              <a:rPr lang="fr-FR"/>
+              <a:t>Cliquez pour modifier les styles du texte du masque</a:t>
+            </a:r>
+          </a:p>
+          <a:p>
+            <a:pPr lvl="1"/>
+            <a:r>
+              <a:rPr lang="fr-FR"/>
+              <a:t>Deuxième niveau</a:t>
+            </a:r>
+          </a:p>
+          <a:p>
+            <a:pPr lvl="2"/>
+            <a:r>
+              <a:rPr lang="fr-FR"/>
+              <a:t>Troisième niveau</a:t>
+            </a:r>
+          </a:p>
+          <a:p>
+            <a:pPr lvl="3"/>
+            <a:r>
+              <a:rPr lang="fr-FR"/>
+              <a:t>Quatrième niveau</a:t>
+            </a:r>
+          </a:p>
+          <a:p>
+            <a:pPr lvl="4"/>
+            <a:r>
+              <a:rPr lang="fr-FR"/>
+              <a:t>Cinquième niveau</a:t>
+            </a:r>
+            <a:endParaRPr lang="en-US" dirty="0"/>
+          </a:p>
+        </p:txBody>
+      </p:sp>
+      <p:sp>
+        <p:nvSpPr>
+          <p:cNvPr id="4" name="Text Placeholder 3"/>
+          <p:cNvSpPr>
+            <a:spLocks noGrp="1"/>
+          </p:cNvSpPr>
+          <p:nvPr>
+            <p:ph type="body" sz="half" idx="2"/>
+          </p:nvPr>
+        </p:nvSpPr>
+        <p:spPr>
+          <a:xfrm>
+            <a:off x="716554" y="1114425"/>
+            <a:ext cx="3355202" cy="2064610"/>
+          </a:xfrm>
+        </p:spPr>
+        <p:txBody>
+          <a:bodyPr/>
+          <a:lstStyle>
+            <a:lvl1pPr marL="0" indent="0">
+              <a:buNone/>
+              <a:defRPr sz="867"/>
+            </a:lvl1pPr>
+            <a:lvl2pPr marL="247665" indent="0">
+              <a:buNone/>
+              <a:defRPr sz="758"/>
+            </a:lvl2pPr>
+            <a:lvl3pPr marL="495330" indent="0">
+              <a:buNone/>
+              <a:defRPr sz="650"/>
+            </a:lvl3pPr>
+            <a:lvl4pPr marL="742996" indent="0">
+              <a:buNone/>
+              <a:defRPr sz="542"/>
+            </a:lvl4pPr>
+            <a:lvl5pPr marL="990661" indent="0">
+              <a:buNone/>
+              <a:defRPr sz="542"/>
+            </a:lvl5pPr>
+            <a:lvl6pPr marL="1238326" indent="0">
+              <a:buNone/>
+              <a:defRPr sz="542"/>
+            </a:lvl6pPr>
+            <a:lvl7pPr marL="1485991" indent="0">
+              <a:buNone/>
+              <a:defRPr sz="542"/>
+            </a:lvl7pPr>
+            <a:lvl8pPr marL="1733657" indent="0">
+              <a:buNone/>
+              <a:defRPr sz="542"/>
+            </a:lvl8pPr>
+            <a:lvl9pPr marL="1981322" indent="0">
+              <a:buNone/>
+              <a:defRPr sz="542"/>
+            </a:lvl9pPr>
+          </a:lstStyle>
+          <a:p>
+            <a:pPr lvl="0"/>
+            <a:r>
+              <a:rPr lang="fr-FR"/>
+              <a:t>Cliquez pour modifier les styles du texte du masque</a:t>
+            </a:r>
+          </a:p>
+        </p:txBody>
+      </p:sp>
+      <p:sp>
+        <p:nvSpPr>
+          <p:cNvPr id="5" name="Date Placeholder 4"/>
+          <p:cNvSpPr>
+            <a:spLocks noGrp="1"/>
+          </p:cNvSpPr>
+          <p:nvPr>
+            <p:ph type="dt" sz="half" idx="10"/>
+          </p:nvPr>
+        </p:nvSpPr>
+        <p:spPr/>
+        <p:txBody>
+          <a:bodyPr/>
+          <a:lstStyle/>
+          <a:p>
+            <a:fld id="{4F9D0EE7-5FFA-4A88-B51D-A0F9CB847ED6}" type="datetimeFigureOut">
+              <a:rPr lang="fr-FR" smtClean="0"/>
+              <a:t>10/11/2023</a:t>
+            </a:fld>
+            <a:endParaRPr lang="fr-FR"/>
+          </a:p>
+        </p:txBody>
+      </p:sp>
+      <p:sp>
+        <p:nvSpPr>
+          <p:cNvPr id="6" name="Footer Placeholder 5"/>
+          <p:cNvSpPr>
+            <a:spLocks noGrp="1"/>
+          </p:cNvSpPr>
+          <p:nvPr>
+            <p:ph type="ftr" sz="quarter" idx="11"/>
+          </p:nvPr>
+        </p:nvSpPr>
+        <p:spPr/>
+        <p:txBody>
+          <a:bodyPr/>
+          <a:lstStyle/>
+          <a:p>
+            <a:endParaRPr lang="fr-FR"/>
+          </a:p>
+        </p:txBody>
+      </p:sp>
+      <p:sp>
+        <p:nvSpPr>
+          <p:cNvPr id="7" name="Slide Number Placeholder 6"/>
+          <p:cNvSpPr>
+            <a:spLocks noGrp="1"/>
+          </p:cNvSpPr>
+          <p:nvPr>
+            <p:ph type="sldNum" sz="quarter" idx="12"/>
+          </p:nvPr>
+        </p:nvSpPr>
+        <p:spPr/>
+        <p:txBody>
+          <a:bodyPr/>
+          <a:lstStyle/>
+          <a:p>
+            <a:fld id="{72600150-C123-420B-849A-7F3C001977BF}" type="slidenum">
+              <a:rPr lang="fr-FR" smtClean="0"/>
+              <a:t>‹N°›</a:t>
+            </a:fld>
+            <a:endParaRPr lang="fr-FR"/>
+          </a:p>
+        </p:txBody>
+      </p:sp>
+    </p:spTree>
+    <p:extLst>
+      <p:ext uri="{BB962C8B-B14F-4D97-AF65-F5344CB8AC3E}">
+        <p14:creationId xmlns:p14="http://schemas.microsoft.com/office/powerpoint/2010/main" val="1531862137"/>
+      </p:ext>
+    </p:extLst>
+  </p:cSld>
+  <p:clrMapOvr>
+    <a:masterClrMapping/>
+  </p:clrMapOvr>
+</p:sldLayout>
+</file>
+
+<file path=ppt/slideLayouts/slideLayout9.xml><?xml version="1.0" encoding="utf-8"?>
+<p:sldLayout xmlns:a="http://schemas.openxmlformats.org/drawingml/2006/main" xmlns:r="http://schemas.openxmlformats.org/officeDocument/2006/relationships" xmlns:p="http://schemas.openxmlformats.org/presentationml/2006/main" type="picTx" preserve="1">
+  <p:cSld name="Image avec légende">
+    <p:spTree>
+      <p:nvGrpSpPr>
+        <p:cNvPr id="1" name=""/>
+        <p:cNvGrpSpPr/>
+        <p:nvPr/>
+      </p:nvGrpSpPr>
+      <p:grpSpPr>
+        <a:xfrm>
+          <a:off x="0" y="0"/>
+          <a:ext cx="0" cy="0"/>
+          <a:chOff x="0" y="0"/>
+          <a:chExt cx="0" cy="0"/>
+        </a:xfrm>
+      </p:grpSpPr>
+      <p:sp>
+        <p:nvSpPr>
+          <p:cNvPr id="2" name="Title 1"/>
+          <p:cNvSpPr>
+            <a:spLocks noGrp="1"/>
+          </p:cNvSpPr>
+          <p:nvPr>
+            <p:ph type="title"/>
+          </p:nvPr>
+        </p:nvSpPr>
+        <p:spPr>
+          <a:xfrm>
+            <a:off x="716554" y="247650"/>
+            <a:ext cx="3355202" cy="866775"/>
+          </a:xfrm>
+        </p:spPr>
+        <p:txBody>
+          <a:bodyPr anchor="b"/>
+          <a:lstStyle>
+            <a:lvl1pPr>
+              <a:defRPr sz="1733"/>
+            </a:lvl1pPr>
+          </a:lstStyle>
+          <a:p>
+            <a:r>
+              <a:rPr lang="fr-FR"/>
+              <a:t>Modifiez le style du titre</a:t>
+            </a:r>
+            <a:endParaRPr lang="en-US" dirty="0"/>
+          </a:p>
+        </p:txBody>
+      </p:sp>
+      <p:sp>
+        <p:nvSpPr>
+          <p:cNvPr id="3" name="Picture Placeholder 2"/>
+          <p:cNvSpPr>
+            <a:spLocks noGrp="1" noChangeAspect="1"/>
+          </p:cNvSpPr>
+          <p:nvPr>
+            <p:ph type="pic" idx="1"/>
+          </p:nvPr>
+        </p:nvSpPr>
+        <p:spPr>
+          <a:xfrm>
+            <a:off x="4422582" y="534856"/>
+            <a:ext cx="5266462" cy="2639880"/>
+          </a:xfrm>
+        </p:spPr>
+        <p:txBody>
+          <a:bodyPr anchor="t"/>
+          <a:lstStyle>
+            <a:lvl1pPr marL="0" indent="0">
+              <a:buNone/>
+              <a:defRPr sz="1733"/>
+            </a:lvl1pPr>
+            <a:lvl2pPr marL="247665" indent="0">
+              <a:buNone/>
+              <a:defRPr sz="1517"/>
+            </a:lvl2pPr>
+            <a:lvl3pPr marL="495330" indent="0">
+              <a:buNone/>
+              <a:defRPr sz="1300"/>
+            </a:lvl3pPr>
+            <a:lvl4pPr marL="742996" indent="0">
+              <a:buNone/>
+              <a:defRPr sz="1083"/>
+            </a:lvl4pPr>
+            <a:lvl5pPr marL="990661" indent="0">
+              <a:buNone/>
+              <a:defRPr sz="1083"/>
+            </a:lvl5pPr>
+            <a:lvl6pPr marL="1238326" indent="0">
+              <a:buNone/>
+              <a:defRPr sz="1083"/>
+            </a:lvl6pPr>
+            <a:lvl7pPr marL="1485991" indent="0">
+              <a:buNone/>
+              <a:defRPr sz="1083"/>
+            </a:lvl7pPr>
+            <a:lvl8pPr marL="1733657" indent="0">
+              <a:buNone/>
+              <a:defRPr sz="1083"/>
+            </a:lvl8pPr>
+            <a:lvl9pPr marL="1981322" indent="0">
+              <a:buNone/>
+              <a:defRPr sz="1083"/>
+            </a:lvl9pPr>
+          </a:lstStyle>
+          <a:p>
+            <a:r>
+              <a:rPr lang="fr-FR"/>
+              <a:t>Cliquez sur l'icône pour ajouter une image</a:t>
+            </a:r>
+            <a:endParaRPr lang="en-US" dirty="0"/>
+          </a:p>
+        </p:txBody>
+      </p:sp>
+      <p:sp>
+        <p:nvSpPr>
+          <p:cNvPr id="4" name="Text Placeholder 3"/>
+          <p:cNvSpPr>
+            <a:spLocks noGrp="1"/>
+          </p:cNvSpPr>
+          <p:nvPr>
+            <p:ph type="body" sz="half" idx="2"/>
+          </p:nvPr>
+        </p:nvSpPr>
+        <p:spPr>
+          <a:xfrm>
+            <a:off x="716554" y="1114425"/>
+            <a:ext cx="3355202" cy="2064610"/>
+          </a:xfrm>
+        </p:spPr>
+        <p:txBody>
+          <a:bodyPr/>
+          <a:lstStyle>
+            <a:lvl1pPr marL="0" indent="0">
+              <a:buNone/>
+              <a:defRPr sz="867"/>
+            </a:lvl1pPr>
+            <a:lvl2pPr marL="247665" indent="0">
+              <a:buNone/>
+              <a:defRPr sz="758"/>
+            </a:lvl2pPr>
+            <a:lvl3pPr marL="495330" indent="0">
+              <a:buNone/>
+              <a:defRPr sz="650"/>
+            </a:lvl3pPr>
+            <a:lvl4pPr marL="742996" indent="0">
+              <a:buNone/>
+              <a:defRPr sz="542"/>
+            </a:lvl4pPr>
+            <a:lvl5pPr marL="990661" indent="0">
+              <a:buNone/>
+              <a:defRPr sz="542"/>
+            </a:lvl5pPr>
+            <a:lvl6pPr marL="1238326" indent="0">
+              <a:buNone/>
+              <a:defRPr sz="542"/>
+            </a:lvl6pPr>
+            <a:lvl7pPr marL="1485991" indent="0">
+              <a:buNone/>
+              <a:defRPr sz="542"/>
+            </a:lvl7pPr>
+            <a:lvl8pPr marL="1733657" indent="0">
+              <a:buNone/>
+              <a:defRPr sz="542"/>
+            </a:lvl8pPr>
+            <a:lvl9pPr marL="1981322" indent="0">
+              <a:buNone/>
+              <a:defRPr sz="542"/>
+            </a:lvl9pPr>
+          </a:lstStyle>
+          <a:p>
+            <a:pPr lvl="0"/>
+            <a:r>
+              <a:rPr lang="fr-FR"/>
+              <a:t>Cliquez pour modifier les styles du texte du masque</a:t>
+            </a:r>
+          </a:p>
+        </p:txBody>
+      </p:sp>
+      <p:sp>
+        <p:nvSpPr>
+          <p:cNvPr id="5" name="Date Placeholder 4"/>
+          <p:cNvSpPr>
+            <a:spLocks noGrp="1"/>
+          </p:cNvSpPr>
+          <p:nvPr>
+            <p:ph type="dt" sz="half" idx="10"/>
+          </p:nvPr>
+        </p:nvSpPr>
+        <p:spPr/>
+        <p:txBody>
+          <a:bodyPr/>
+          <a:lstStyle/>
+          <a:p>
+            <a:fld id="{4F9D0EE7-5FFA-4A88-B51D-A0F9CB847ED6}" type="datetimeFigureOut">
+              <a:rPr lang="fr-FR" smtClean="0"/>
+              <a:t>10/11/2023</a:t>
+            </a:fld>
+            <a:endParaRPr lang="fr-FR"/>
+          </a:p>
+        </p:txBody>
+      </p:sp>
+      <p:sp>
+        <p:nvSpPr>
+          <p:cNvPr id="6" name="Footer Placeholder 5"/>
+          <p:cNvSpPr>
+            <a:spLocks noGrp="1"/>
+          </p:cNvSpPr>
+          <p:nvPr>
+            <p:ph type="ftr" sz="quarter" idx="11"/>
+          </p:nvPr>
+        </p:nvSpPr>
+        <p:spPr/>
+        <p:txBody>
+          <a:bodyPr/>
+          <a:lstStyle/>
+          <a:p>
+            <a:endParaRPr lang="fr-FR"/>
+          </a:p>
+        </p:txBody>
+      </p:sp>
+      <p:sp>
+        <p:nvSpPr>
+          <p:cNvPr id="7" name="Slide Number Placeholder 6"/>
+          <p:cNvSpPr>
+            <a:spLocks noGrp="1"/>
+          </p:cNvSpPr>
+          <p:nvPr>
+            <p:ph type="sldNum" sz="quarter" idx="12"/>
+          </p:nvPr>
+        </p:nvSpPr>
+        <p:spPr/>
+        <p:txBody>
+          <a:bodyPr/>
+          <a:lstStyle/>
+          <a:p>
+            <a:fld id="{72600150-C123-420B-849A-7F3C001977BF}" type="slidenum">
+              <a:rPr lang="fr-FR" smtClean="0"/>
+              <a:t>‹N°›</a:t>
+            </a:fld>
+            <a:endParaRPr lang="fr-FR"/>
+          </a:p>
+        </p:txBody>
+      </p:sp>
+    </p:spTree>
+    <p:extLst>
+      <p:ext uri="{BB962C8B-B14F-4D97-AF65-F5344CB8AC3E}">
+        <p14:creationId xmlns:p14="http://schemas.microsoft.com/office/powerpoint/2010/main" val="658131979"/>
       </p:ext>
     </p:extLst>
   </p:cSld>
@@ -351,13 +2573,7 @@
       </p:grpSpPr>
       <p:sp>
         <p:nvSpPr>
-          <p:cNvPr id="2" name="Espace réservé du titre 1">
-            <a:extLst>
-              <a:ext uri="{FF2B5EF4-FFF2-40B4-BE49-F238E27FC236}">
-                <a16:creationId xmlns:a16="http://schemas.microsoft.com/office/drawing/2014/main" id="{6A447C3B-1775-4157-3546-DF8053816B10}"/>
-              </a:ext>
-            </a:extLst>
-          </p:cNvPr>
+          <p:cNvPr id="2" name="Title Placeholder 1"/>
           <p:cNvSpPr>
             <a:spLocks noGrp="1"/>
           </p:cNvSpPr>
@@ -367,8 +2583,8 @@
         </p:nvSpPr>
         <p:spPr>
           <a:xfrm>
-            <a:off x="838200" y="365125"/>
-            <a:ext cx="10515600" cy="1325563"/>
+            <a:off x="715199" y="197776"/>
+            <a:ext cx="8972491" cy="718013"/>
           </a:xfrm>
           <a:prstGeom prst="rect">
             <a:avLst/>
@@ -384,18 +2600,13 @@
               <a:rPr lang="fr-FR"/>
               <a:t>Modifiez le style du titre</a:t>
             </a:r>
+            <a:endParaRPr lang="en-US" dirty="0"/>
           </a:p>
         </p:txBody>
       </p:sp>
       <p:sp>
         <p:nvSpPr>
-          <p:cNvPr id="3" name="Espace réservé du texte 2">
-            <a:extLst>
-              <a:ext uri="{FF2B5EF4-FFF2-40B4-BE49-F238E27FC236}">
-                <a16:creationId xmlns:a16="http://schemas.microsoft.com/office/drawing/2014/main" id="{996FE488-94DB-2980-D02B-FB178BCB1C2F}"/>
-              </a:ext>
-            </a:extLst>
-          </p:cNvPr>
+          <p:cNvPr id="3" name="Text Placeholder 2"/>
           <p:cNvSpPr>
             <a:spLocks noGrp="1"/>
           </p:cNvSpPr>
@@ -405,8 +2616,8 @@
         </p:nvSpPr>
         <p:spPr>
           <a:xfrm>
-            <a:off x="838200" y="1825625"/>
-            <a:ext cx="10515600" cy="4351338"/>
+            <a:off x="715199" y="988880"/>
+            <a:ext cx="8972491" cy="2356975"/>
           </a:xfrm>
           <a:prstGeom prst="rect">
             <a:avLst/>
@@ -451,18 +2662,13 @@
               <a:rPr lang="fr-FR"/>
               <a:t>Cinquième niveau</a:t>
             </a:r>
+            <a:endParaRPr lang="en-US" dirty="0"/>
           </a:p>
         </p:txBody>
       </p:sp>
       <p:sp>
         <p:nvSpPr>
-          <p:cNvPr id="4" name="Espace réservé de la date 3">
-            <a:extLst>
-              <a:ext uri="{FF2B5EF4-FFF2-40B4-BE49-F238E27FC236}">
-                <a16:creationId xmlns:a16="http://schemas.microsoft.com/office/drawing/2014/main" id="{3A9681DC-5B82-A3AE-260A-CD2778238E44}"/>
-              </a:ext>
-            </a:extLst>
-          </p:cNvPr>
+          <p:cNvPr id="4" name="Date Placeholder 3"/>
           <p:cNvSpPr>
             <a:spLocks noGrp="1"/>
           </p:cNvSpPr>
@@ -472,8 +2678,8 @@
         </p:nvSpPr>
         <p:spPr>
           <a:xfrm>
-            <a:off x="838200" y="6356350"/>
-            <a:ext cx="2743200" cy="365125"/>
+            <a:off x="715198" y="3443023"/>
+            <a:ext cx="2340650" cy="197776"/>
           </a:xfrm>
           <a:prstGeom prst="rect">
             <a:avLst/>
@@ -483,7 +2689,7 @@
           <a:bodyPr vert="horz" lIns="91440" tIns="45720" rIns="91440" bIns="45720" rtlCol="0" anchor="ctr"/>
           <a:lstStyle>
             <a:lvl1pPr algn="l">
-              <a:defRPr sz="1200">
+              <a:defRPr sz="650">
                 <a:solidFill>
                   <a:schemeClr val="tx1">
                     <a:tint val="75000"/>
@@ -495,7 +2701,7 @@
           <a:p>
             <a:fld id="{4F9D0EE7-5FFA-4A88-B51D-A0F9CB847ED6}" type="datetimeFigureOut">
               <a:rPr lang="fr-FR" smtClean="0"/>
-              <a:t>08/11/2023</a:t>
+              <a:t>10/11/2023</a:t>
             </a:fld>
             <a:endParaRPr lang="fr-FR"/>
           </a:p>
@@ -503,13 +2709,7 @@
       </p:sp>
       <p:sp>
         <p:nvSpPr>
-          <p:cNvPr id="5" name="Espace réservé du pied de page 4">
-            <a:extLst>
-              <a:ext uri="{FF2B5EF4-FFF2-40B4-BE49-F238E27FC236}">
-                <a16:creationId xmlns:a16="http://schemas.microsoft.com/office/drawing/2014/main" id="{880EBF43-30B2-CA35-E4F2-8B967D6E8DBE}"/>
-              </a:ext>
-            </a:extLst>
-          </p:cNvPr>
+          <p:cNvPr id="5" name="Footer Placeholder 4"/>
           <p:cNvSpPr>
             <a:spLocks noGrp="1"/>
           </p:cNvSpPr>
@@ -519,8 +2719,8 @@
         </p:nvSpPr>
         <p:spPr>
           <a:xfrm>
-            <a:off x="4038600" y="6356350"/>
-            <a:ext cx="4114800" cy="365125"/>
+            <a:off x="3445957" y="3443023"/>
+            <a:ext cx="3510975" cy="197776"/>
           </a:xfrm>
           <a:prstGeom prst="rect">
             <a:avLst/>
@@ -530,7 +2730,7 @@
           <a:bodyPr vert="horz" lIns="91440" tIns="45720" rIns="91440" bIns="45720" rtlCol="0" anchor="ctr"/>
           <a:lstStyle>
             <a:lvl1pPr algn="ctr">
-              <a:defRPr sz="1200">
+              <a:defRPr sz="650">
                 <a:solidFill>
                   <a:schemeClr val="tx1">
                     <a:tint val="75000"/>
@@ -546,13 +2746,7 @@
       </p:sp>
       <p:sp>
         <p:nvSpPr>
-          <p:cNvPr id="6" name="Espace réservé du numéro de diapositive 5">
-            <a:extLst>
-              <a:ext uri="{FF2B5EF4-FFF2-40B4-BE49-F238E27FC236}">
-                <a16:creationId xmlns:a16="http://schemas.microsoft.com/office/drawing/2014/main" id="{9F3EADA6-386F-C3AF-BFBB-1E30766FDDDB}"/>
-              </a:ext>
-            </a:extLst>
-          </p:cNvPr>
+          <p:cNvPr id="6" name="Slide Number Placeholder 5"/>
           <p:cNvSpPr>
             <a:spLocks noGrp="1"/>
           </p:cNvSpPr>
@@ -562,8 +2756,8 @@
         </p:nvSpPr>
         <p:spPr>
           <a:xfrm>
-            <a:off x="8610600" y="6356350"/>
-            <a:ext cx="2743200" cy="365125"/>
+            <a:off x="7347040" y="3443023"/>
+            <a:ext cx="2340650" cy="197776"/>
           </a:xfrm>
           <a:prstGeom prst="rect">
             <a:avLst/>
@@ -573,7 +2767,7 @@
           <a:bodyPr vert="horz" lIns="91440" tIns="45720" rIns="91440" bIns="45720" rtlCol="0" anchor="ctr"/>
           <a:lstStyle>
             <a:lvl1pPr algn="r">
-              <a:defRPr sz="1200">
+              <a:defRPr sz="650">
                 <a:solidFill>
                   <a:schemeClr val="tx1">
                     <a:tint val="75000"/>
@@ -594,17 +2788,27 @@
     </p:spTree>
     <p:extLst>
       <p:ext uri="{BB962C8B-B14F-4D97-AF65-F5344CB8AC3E}">
-        <p14:creationId xmlns:p14="http://schemas.microsoft.com/office/powerpoint/2010/main" val="2326436275"/>
+        <p14:creationId xmlns:p14="http://schemas.microsoft.com/office/powerpoint/2010/main" val="2798859533"/>
       </p:ext>
     </p:extLst>
   </p:cSld>
   <p:clrMap bg1="lt1" tx1="dk1" bg2="lt2" tx2="dk2" accent1="accent1" accent2="accent2" accent3="accent3" accent4="accent4" accent5="accent5" accent6="accent6" hlink="hlink" folHlink="folHlink"/>
   <p:sldLayoutIdLst>
-    <p:sldLayoutId id="2147483649" r:id="rId1"/>
+    <p:sldLayoutId id="2147483651" r:id="rId1"/>
+    <p:sldLayoutId id="2147483652" r:id="rId2"/>
+    <p:sldLayoutId id="2147483653" r:id="rId3"/>
+    <p:sldLayoutId id="2147483654" r:id="rId4"/>
+    <p:sldLayoutId id="2147483655" r:id="rId5"/>
+    <p:sldLayoutId id="2147483656" r:id="rId6"/>
+    <p:sldLayoutId id="2147483657" r:id="rId7"/>
+    <p:sldLayoutId id="2147483658" r:id="rId8"/>
+    <p:sldLayoutId id="2147483659" r:id="rId9"/>
+    <p:sldLayoutId id="2147483660" r:id="rId10"/>
+    <p:sldLayoutId id="2147483661" r:id="rId11"/>
   </p:sldLayoutIdLst>
   <p:txStyles>
     <p:titleStyle>
-      <a:lvl1pPr algn="l" defTabSz="914400" rtl="0" eaLnBrk="1" latinLnBrk="0" hangingPunct="1">
+      <a:lvl1pPr algn="l" defTabSz="495330" rtl="0" eaLnBrk="1" latinLnBrk="0" hangingPunct="1">
         <a:lnSpc>
           <a:spcPct val="90000"/>
         </a:lnSpc>
@@ -612,7 +2816,7 @@
           <a:spcPct val="0"/>
         </a:spcBef>
         <a:buNone/>
-        <a:defRPr sz="4400" kern="1200">
+        <a:defRPr sz="2383" kern="1200">
           <a:solidFill>
             <a:schemeClr val="tx1"/>
           </a:solidFill>
@@ -623,16 +2827,16 @@
       </a:lvl1pPr>
     </p:titleStyle>
     <p:bodyStyle>
-      <a:lvl1pPr marL="228600" indent="-228600" algn="l" defTabSz="914400" rtl="0" eaLnBrk="1" latinLnBrk="0" hangingPunct="1">
+      <a:lvl1pPr marL="123833" indent="-123833" algn="l" defTabSz="495330" rtl="0" eaLnBrk="1" latinLnBrk="0" hangingPunct="1">
         <a:lnSpc>
           <a:spcPct val="90000"/>
         </a:lnSpc>
         <a:spcBef>
-          <a:spcPts val="1000"/>
+          <a:spcPts val="542"/>
         </a:spcBef>
         <a:buFont typeface="Arial" panose="020B0604020202020204" pitchFamily="34" charset="0"/>
         <a:buChar char="•"/>
-        <a:defRPr sz="2800" kern="1200">
+        <a:defRPr sz="1517" kern="1200">
           <a:solidFill>
             <a:schemeClr val="tx1"/>
           </a:solidFill>
@@ -641,16 +2845,16 @@
           <a:cs typeface="+mn-cs"/>
         </a:defRPr>
       </a:lvl1pPr>
-      <a:lvl2pPr marL="685800" indent="-228600" algn="l" defTabSz="914400" rtl="0" eaLnBrk="1" latinLnBrk="0" hangingPunct="1">
+      <a:lvl2pPr marL="371498" indent="-123833" algn="l" defTabSz="495330" rtl="0" eaLnBrk="1" latinLnBrk="0" hangingPunct="1">
         <a:lnSpc>
           <a:spcPct val="90000"/>
         </a:lnSpc>
         <a:spcBef>
-          <a:spcPts val="500"/>
+          <a:spcPts val="271"/>
         </a:spcBef>
         <a:buFont typeface="Arial" panose="020B0604020202020204" pitchFamily="34" charset="0"/>
         <a:buChar char="•"/>
-        <a:defRPr sz="2400" kern="1200">
+        <a:defRPr sz="1300" kern="1200">
           <a:solidFill>
             <a:schemeClr val="tx1"/>
           </a:solidFill>
@@ -659,16 +2863,16 @@
           <a:cs typeface="+mn-cs"/>
         </a:defRPr>
       </a:lvl2pPr>
-      <a:lvl3pPr marL="1143000" indent="-228600" algn="l" defTabSz="914400" rtl="0" eaLnBrk="1" latinLnBrk="0" hangingPunct="1">
+      <a:lvl3pPr marL="619163" indent="-123833" algn="l" defTabSz="495330" rtl="0" eaLnBrk="1" latinLnBrk="0" hangingPunct="1">
         <a:lnSpc>
           <a:spcPct val="90000"/>
         </a:lnSpc>
         <a:spcBef>
-          <a:spcPts val="500"/>
+          <a:spcPts val="271"/>
         </a:spcBef>
         <a:buFont typeface="Arial" panose="020B0604020202020204" pitchFamily="34" charset="0"/>
         <a:buChar char="•"/>
-        <a:defRPr sz="2000" kern="1200">
+        <a:defRPr sz="1083" kern="1200">
           <a:solidFill>
             <a:schemeClr val="tx1"/>
           </a:solidFill>
@@ -677,16 +2881,16 @@
           <a:cs typeface="+mn-cs"/>
         </a:defRPr>
       </a:lvl3pPr>
-      <a:lvl4pPr marL="1600200" indent="-228600" algn="l" defTabSz="914400" rtl="0" eaLnBrk="1" latinLnBrk="0" hangingPunct="1">
+      <a:lvl4pPr marL="866828" indent="-123833" algn="l" defTabSz="495330" rtl="0" eaLnBrk="1" latinLnBrk="0" hangingPunct="1">
         <a:lnSpc>
           <a:spcPct val="90000"/>
         </a:lnSpc>
         <a:spcBef>
-          <a:spcPts val="500"/>
+          <a:spcPts val="271"/>
         </a:spcBef>
         <a:buFont typeface="Arial" panose="020B0604020202020204" pitchFamily="34" charset="0"/>
         <a:buChar char="•"/>
-        <a:defRPr sz="1800" kern="1200">
+        <a:defRPr sz="975" kern="1200">
           <a:solidFill>
             <a:schemeClr val="tx1"/>
           </a:solidFill>
@@ -695,16 +2899,16 @@
           <a:cs typeface="+mn-cs"/>
         </a:defRPr>
       </a:lvl4pPr>
-      <a:lvl5pPr marL="2057400" indent="-228600" algn="l" defTabSz="914400" rtl="0" eaLnBrk="1" latinLnBrk="0" hangingPunct="1">
+      <a:lvl5pPr marL="1114494" indent="-123833" algn="l" defTabSz="495330" rtl="0" eaLnBrk="1" latinLnBrk="0" hangingPunct="1">
         <a:lnSpc>
           <a:spcPct val="90000"/>
         </a:lnSpc>
         <a:spcBef>
-          <a:spcPts val="500"/>
+          <a:spcPts val="271"/>
         </a:spcBef>
         <a:buFont typeface="Arial" panose="020B0604020202020204" pitchFamily="34" charset="0"/>
         <a:buChar char="•"/>
-        <a:defRPr sz="1800" kern="1200">
+        <a:defRPr sz="975" kern="1200">
           <a:solidFill>
             <a:schemeClr val="tx1"/>
           </a:solidFill>
@@ -713,16 +2917,16 @@
           <a:cs typeface="+mn-cs"/>
         </a:defRPr>
       </a:lvl5pPr>
-      <a:lvl6pPr marL="2514600" indent="-228600" algn="l" defTabSz="914400" rtl="0" eaLnBrk="1" latinLnBrk="0" hangingPunct="1">
+      <a:lvl6pPr marL="1362159" indent="-123833" algn="l" defTabSz="495330" rtl="0" eaLnBrk="1" latinLnBrk="0" hangingPunct="1">
         <a:lnSpc>
           <a:spcPct val="90000"/>
         </a:lnSpc>
         <a:spcBef>
-          <a:spcPts val="500"/>
+          <a:spcPts val="271"/>
         </a:spcBef>
         <a:buFont typeface="Arial" panose="020B0604020202020204" pitchFamily="34" charset="0"/>
         <a:buChar char="•"/>
-        <a:defRPr sz="1800" kern="1200">
+        <a:defRPr sz="975" kern="1200">
           <a:solidFill>
             <a:schemeClr val="tx1"/>
           </a:solidFill>
@@ -731,16 +2935,16 @@
           <a:cs typeface="+mn-cs"/>
         </a:defRPr>
       </a:lvl6pPr>
-      <a:lvl7pPr marL="2971800" indent="-228600" algn="l" defTabSz="914400" rtl="0" eaLnBrk="1" latinLnBrk="0" hangingPunct="1">
+      <a:lvl7pPr marL="1609824" indent="-123833" algn="l" defTabSz="495330" rtl="0" eaLnBrk="1" latinLnBrk="0" hangingPunct="1">
         <a:lnSpc>
           <a:spcPct val="90000"/>
         </a:lnSpc>
         <a:spcBef>
-          <a:spcPts val="500"/>
+          <a:spcPts val="271"/>
         </a:spcBef>
         <a:buFont typeface="Arial" panose="020B0604020202020204" pitchFamily="34" charset="0"/>
         <a:buChar char="•"/>
-        <a:defRPr sz="1800" kern="1200">
+        <a:defRPr sz="975" kern="1200">
           <a:solidFill>
             <a:schemeClr val="tx1"/>
           </a:solidFill>
@@ -749,16 +2953,16 @@
           <a:cs typeface="+mn-cs"/>
         </a:defRPr>
       </a:lvl7pPr>
-      <a:lvl8pPr marL="3429000" indent="-228600" algn="l" defTabSz="914400" rtl="0" eaLnBrk="1" latinLnBrk="0" hangingPunct="1">
+      <a:lvl8pPr marL="1857489" indent="-123833" algn="l" defTabSz="495330" rtl="0" eaLnBrk="1" latinLnBrk="0" hangingPunct="1">
         <a:lnSpc>
           <a:spcPct val="90000"/>
         </a:lnSpc>
         <a:spcBef>
-          <a:spcPts val="500"/>
+          <a:spcPts val="271"/>
         </a:spcBef>
         <a:buFont typeface="Arial" panose="020B0604020202020204" pitchFamily="34" charset="0"/>
         <a:buChar char="•"/>
-        <a:defRPr sz="1800" kern="1200">
+        <a:defRPr sz="975" kern="1200">
           <a:solidFill>
             <a:schemeClr val="tx1"/>
           </a:solidFill>
@@ -767,16 +2971,16 @@
           <a:cs typeface="+mn-cs"/>
         </a:defRPr>
       </a:lvl8pPr>
-      <a:lvl9pPr marL="3886200" indent="-228600" algn="l" defTabSz="914400" rtl="0" eaLnBrk="1" latinLnBrk="0" hangingPunct="1">
+      <a:lvl9pPr marL="2105155" indent="-123833" algn="l" defTabSz="495330" rtl="0" eaLnBrk="1" latinLnBrk="0" hangingPunct="1">
         <a:lnSpc>
           <a:spcPct val="90000"/>
         </a:lnSpc>
         <a:spcBef>
-          <a:spcPts val="500"/>
+          <a:spcPts val="271"/>
         </a:spcBef>
         <a:buFont typeface="Arial" panose="020B0604020202020204" pitchFamily="34" charset="0"/>
         <a:buChar char="•"/>
-        <a:defRPr sz="1800" kern="1200">
+        <a:defRPr sz="975" kern="1200">
           <a:solidFill>
             <a:schemeClr val="tx1"/>
           </a:solidFill>
@@ -788,10 +2992,10 @@
     </p:bodyStyle>
     <p:otherStyle>
       <a:defPPr>
-        <a:defRPr lang="fr-FR"/>
+        <a:defRPr lang="en-US"/>
       </a:defPPr>
-      <a:lvl1pPr marL="0" algn="l" defTabSz="914400" rtl="0" eaLnBrk="1" latinLnBrk="0" hangingPunct="1">
-        <a:defRPr sz="1800" kern="1200">
+      <a:lvl1pPr marL="0" algn="l" defTabSz="495330" rtl="0" eaLnBrk="1" latinLnBrk="0" hangingPunct="1">
+        <a:defRPr sz="975" kern="1200">
           <a:solidFill>
             <a:schemeClr val="tx1"/>
           </a:solidFill>
@@ -800,8 +3004,8 @@
           <a:cs typeface="+mn-cs"/>
         </a:defRPr>
       </a:lvl1pPr>
-      <a:lvl2pPr marL="457200" algn="l" defTabSz="914400" rtl="0" eaLnBrk="1" latinLnBrk="0" hangingPunct="1">
-        <a:defRPr sz="1800" kern="1200">
+      <a:lvl2pPr marL="247665" algn="l" defTabSz="495330" rtl="0" eaLnBrk="1" latinLnBrk="0" hangingPunct="1">
+        <a:defRPr sz="975" kern="1200">
           <a:solidFill>
             <a:schemeClr val="tx1"/>
           </a:solidFill>
@@ -810,8 +3014,8 @@
           <a:cs typeface="+mn-cs"/>
         </a:defRPr>
       </a:lvl2pPr>
-      <a:lvl3pPr marL="914400" algn="l" defTabSz="914400" rtl="0" eaLnBrk="1" latinLnBrk="0" hangingPunct="1">
-        <a:defRPr sz="1800" kern="1200">
+      <a:lvl3pPr marL="495330" algn="l" defTabSz="495330" rtl="0" eaLnBrk="1" latinLnBrk="0" hangingPunct="1">
+        <a:defRPr sz="975" kern="1200">
           <a:solidFill>
             <a:schemeClr val="tx1"/>
           </a:solidFill>
@@ -820,8 +3024,8 @@
           <a:cs typeface="+mn-cs"/>
         </a:defRPr>
       </a:lvl3pPr>
-      <a:lvl4pPr marL="1371600" algn="l" defTabSz="914400" rtl="0" eaLnBrk="1" latinLnBrk="0" hangingPunct="1">
-        <a:defRPr sz="1800" kern="1200">
+      <a:lvl4pPr marL="742996" algn="l" defTabSz="495330" rtl="0" eaLnBrk="1" latinLnBrk="0" hangingPunct="1">
+        <a:defRPr sz="975" kern="1200">
           <a:solidFill>
             <a:schemeClr val="tx1"/>
           </a:solidFill>
@@ -830,8 +3034,8 @@
           <a:cs typeface="+mn-cs"/>
         </a:defRPr>
       </a:lvl4pPr>
-      <a:lvl5pPr marL="1828800" algn="l" defTabSz="914400" rtl="0" eaLnBrk="1" latinLnBrk="0" hangingPunct="1">
-        <a:defRPr sz="1800" kern="1200">
+      <a:lvl5pPr marL="990661" algn="l" defTabSz="495330" rtl="0" eaLnBrk="1" latinLnBrk="0" hangingPunct="1">
+        <a:defRPr sz="975" kern="1200">
           <a:solidFill>
             <a:schemeClr val="tx1"/>
           </a:solidFill>
@@ -840,8 +3044,8 @@
           <a:cs typeface="+mn-cs"/>
         </a:defRPr>
       </a:lvl5pPr>
-      <a:lvl6pPr marL="2286000" algn="l" defTabSz="914400" rtl="0" eaLnBrk="1" latinLnBrk="0" hangingPunct="1">
-        <a:defRPr sz="1800" kern="1200">
+      <a:lvl6pPr marL="1238326" algn="l" defTabSz="495330" rtl="0" eaLnBrk="1" latinLnBrk="0" hangingPunct="1">
+        <a:defRPr sz="975" kern="1200">
           <a:solidFill>
             <a:schemeClr val="tx1"/>
           </a:solidFill>
@@ -850,8 +3054,8 @@
           <a:cs typeface="+mn-cs"/>
         </a:defRPr>
       </a:lvl6pPr>
-      <a:lvl7pPr marL="2743200" algn="l" defTabSz="914400" rtl="0" eaLnBrk="1" latinLnBrk="0" hangingPunct="1">
-        <a:defRPr sz="1800" kern="1200">
+      <a:lvl7pPr marL="1485991" algn="l" defTabSz="495330" rtl="0" eaLnBrk="1" latinLnBrk="0" hangingPunct="1">
+        <a:defRPr sz="975" kern="1200">
           <a:solidFill>
             <a:schemeClr val="tx1"/>
           </a:solidFill>
@@ -860,8 +3064,8 @@
           <a:cs typeface="+mn-cs"/>
         </a:defRPr>
       </a:lvl7pPr>
-      <a:lvl8pPr marL="3200400" algn="l" defTabSz="914400" rtl="0" eaLnBrk="1" latinLnBrk="0" hangingPunct="1">
-        <a:defRPr sz="1800" kern="1200">
+      <a:lvl8pPr marL="1733657" algn="l" defTabSz="495330" rtl="0" eaLnBrk="1" latinLnBrk="0" hangingPunct="1">
+        <a:defRPr sz="975" kern="1200">
           <a:solidFill>
             <a:schemeClr val="tx1"/>
           </a:solidFill>
@@ -870,8 +3074,8 @@
           <a:cs typeface="+mn-cs"/>
         </a:defRPr>
       </a:lvl8pPr>
-      <a:lvl9pPr marL="3657600" algn="l" defTabSz="914400" rtl="0" eaLnBrk="1" latinLnBrk="0" hangingPunct="1">
-        <a:defRPr sz="1800" kern="1200">
+      <a:lvl9pPr marL="1981322" algn="l" defTabSz="495330" rtl="0" eaLnBrk="1" latinLnBrk="0" hangingPunct="1">
+        <a:defRPr sz="975" kern="1200">
           <a:solidFill>
             <a:schemeClr val="tx1"/>
           </a:solidFill>
@@ -914,11 +3118,17 @@
           <p:cNvGraphicFramePr>
             <a:graphicFrameLocks noGrp="1"/>
           </p:cNvGraphicFramePr>
-          <p:nvPr/>
+          <p:nvPr>
+            <p:extLst>
+              <p:ext uri="{D42A27DB-BD31-4B8C-83A1-F6EECF244321}">
+                <p14:modId xmlns:p14="http://schemas.microsoft.com/office/powerpoint/2010/main" val="3808187658"/>
+              </p:ext>
+            </p:extLst>
+          </p:nvPr>
         </p:nvGraphicFramePr>
         <p:xfrm>
-          <a:off x="1763552" y="3246120"/>
-          <a:ext cx="8128000" cy="365760"/>
+          <a:off x="1790119" y="1156783"/>
+          <a:ext cx="8128000" cy="240030"/>
         </p:xfrm>
         <a:graphic>
           <a:graphicData uri="http://schemas.openxmlformats.org/drawingml/2006/table">
@@ -2171,11 +4381,17 @@
           <p:cNvGraphicFramePr>
             <a:graphicFrameLocks noGrp="1"/>
           </p:cNvGraphicFramePr>
-          <p:nvPr/>
+          <p:nvPr>
+            <p:extLst>
+              <p:ext uri="{D42A27DB-BD31-4B8C-83A1-F6EECF244321}">
+                <p14:modId xmlns:p14="http://schemas.microsoft.com/office/powerpoint/2010/main" val="3333035759"/>
+              </p:ext>
+            </p:extLst>
+          </p:nvPr>
         </p:nvGraphicFramePr>
         <p:xfrm>
-          <a:off x="1761688" y="3246120"/>
-          <a:ext cx="2038525" cy="365760"/>
+          <a:off x="1788256" y="1156783"/>
+          <a:ext cx="2038525" cy="240030"/>
         </p:xfrm>
         <a:graphic>
           <a:graphicData uri="http://schemas.openxmlformats.org/drawingml/2006/table">
@@ -2488,8 +4704,8 @@
         </p:nvSpPr>
         <p:spPr>
           <a:xfrm>
-            <a:off x="504574" y="3246120"/>
-            <a:ext cx="1250535" cy="369332"/>
+            <a:off x="531141" y="1156783"/>
+            <a:ext cx="971676" cy="297646"/>
           </a:xfrm>
           <a:prstGeom prst="rect">
             <a:avLst/>
@@ -2529,14 +4745,14 @@
           <p:nvPr>
             <p:extLst>
               <p:ext uri="{D42A27DB-BD31-4B8C-83A1-F6EECF244321}">
-                <p14:modId xmlns:p14="http://schemas.microsoft.com/office/powerpoint/2010/main" val="1543839524"/>
+                <p14:modId xmlns:p14="http://schemas.microsoft.com/office/powerpoint/2010/main" val="449597610"/>
               </p:ext>
             </p:extLst>
           </p:nvPr>
         </p:nvGraphicFramePr>
         <p:xfrm>
-          <a:off x="1763552" y="4268317"/>
-          <a:ext cx="8128000" cy="365760"/>
+          <a:off x="1790119" y="2178980"/>
+          <a:ext cx="8128000" cy="240030"/>
         </p:xfrm>
         <a:graphic>
           <a:graphicData uri="http://schemas.openxmlformats.org/drawingml/2006/table">
@@ -3791,7 +6007,7 @@
         </p:nvCxnSpPr>
         <p:spPr>
           <a:xfrm>
-            <a:off x="1755109" y="5082527"/>
+            <a:off x="1781676" y="2993190"/>
             <a:ext cx="8145710" cy="0"/>
           </a:xfrm>
           <a:prstGeom prst="straightConnector1">
@@ -3831,8 +6047,8 @@
         </p:nvSpPr>
         <p:spPr>
           <a:xfrm>
-            <a:off x="5346806" y="5044358"/>
-            <a:ext cx="962315" cy="369332"/>
+            <a:off x="5373374" y="2955021"/>
+            <a:ext cx="758349" cy="297646"/>
           </a:xfrm>
           <a:prstGeom prst="rect">
             <a:avLst/>
@@ -3871,14 +6087,14 @@
           <p:nvPr>
             <p:extLst>
               <p:ext uri="{D42A27DB-BD31-4B8C-83A1-F6EECF244321}">
-                <p14:modId xmlns:p14="http://schemas.microsoft.com/office/powerpoint/2010/main" val="4285745126"/>
+                <p14:modId xmlns:p14="http://schemas.microsoft.com/office/powerpoint/2010/main" val="2237819645"/>
               </p:ext>
             </p:extLst>
           </p:nvPr>
         </p:nvGraphicFramePr>
         <p:xfrm>
-          <a:off x="4189799" y="4268317"/>
-          <a:ext cx="2038525" cy="365760"/>
+          <a:off x="4216367" y="2178980"/>
+          <a:ext cx="2038525" cy="240030"/>
         </p:xfrm>
         <a:graphic>
           <a:graphicData uri="http://schemas.openxmlformats.org/drawingml/2006/table">
@@ -4191,8 +6407,8 @@
         </p:nvSpPr>
         <p:spPr>
           <a:xfrm>
-            <a:off x="227614" y="4275866"/>
-            <a:ext cx="1534074" cy="369332"/>
+            <a:off x="254181" y="2186529"/>
+            <a:ext cx="1178721" cy="297646"/>
           </a:xfrm>
           <a:prstGeom prst="rect">
             <a:avLst/>
@@ -4233,7 +6449,7 @@
         </p:nvCxnSpPr>
         <p:spPr>
           <a:xfrm>
-            <a:off x="1761688" y="3611880"/>
+            <a:off x="1788256" y="1522543"/>
             <a:ext cx="2428111" cy="645316"/>
           </a:xfrm>
           <a:prstGeom prst="straightConnector1">
@@ -4272,8 +6488,8 @@
         </p:nvSpPr>
         <p:spPr>
           <a:xfrm>
-            <a:off x="2514599" y="2809366"/>
-            <a:ext cx="521297" cy="369332"/>
+            <a:off x="2541166" y="720029"/>
+            <a:ext cx="434734" cy="297646"/>
           </a:xfrm>
           <a:prstGeom prst="rect">
             <a:avLst/>
@@ -4311,8 +6527,8 @@
         </p:nvSpPr>
         <p:spPr>
           <a:xfrm>
-            <a:off x="4965083" y="3923418"/>
-            <a:ext cx="521297" cy="369332"/>
+            <a:off x="4991650" y="1834081"/>
+            <a:ext cx="434734" cy="297646"/>
           </a:xfrm>
           <a:prstGeom prst="rect">
             <a:avLst/>
@@ -4350,8 +6566,8 @@
         </p:nvSpPr>
         <p:spPr>
           <a:xfrm>
-            <a:off x="5088514" y="4634077"/>
-            <a:ext cx="274434" cy="369332"/>
+            <a:off x="5115081" y="2544740"/>
+            <a:ext cx="250390" cy="297646"/>
           </a:xfrm>
           <a:prstGeom prst="rect">
             <a:avLst/>
@@ -4386,7 +6602,7 @@
         </p:nvCxnSpPr>
         <p:spPr>
           <a:xfrm>
-            <a:off x="4187935" y="4730079"/>
+            <a:off x="4214503" y="2640742"/>
             <a:ext cx="2038525" cy="0"/>
           </a:xfrm>
           <a:prstGeom prst="straightConnector1">
@@ -4428,7 +6644,7 @@
 <file path=ppt/theme/theme1.xml><?xml version="1.0" encoding="utf-8"?>
 <a:theme xmlns:a="http://schemas.openxmlformats.org/drawingml/2006/main" name="Thème Office">
   <a:themeElements>
-    <a:clrScheme name="Office">
+    <a:clrScheme name="Thème Office">
       <a:dk1>
         <a:sysClr val="windowText" lastClr="000000"/>
       </a:dk1>
@@ -4466,7 +6682,7 @@
         <a:srgbClr val="954F72"/>
       </a:folHlink>
     </a:clrScheme>
-    <a:fontScheme name="Office">
+    <a:fontScheme name="Thème Office">
       <a:majorFont>
         <a:latin typeface="Calibri Light" panose="020F0302020204030204"/>
         <a:ea typeface=""/>
@@ -4501,23 +6717,6 @@
         <a:font script="Viet" typeface="Times New Roman"/>
         <a:font script="Uigh" typeface="Microsoft Uighur"/>
         <a:font script="Geor" typeface="Sylfaen"/>
-        <a:font script="Armn" typeface="Arial"/>
-        <a:font script="Bugi" typeface="Leelawadee UI"/>
-        <a:font script="Bopo" typeface="Microsoft JhengHei"/>
-        <a:font script="Java" typeface="Javanese Text"/>
-        <a:font script="Lisu" typeface="Segoe UI"/>
-        <a:font script="Mymr" typeface="Myanmar Text"/>
-        <a:font script="Nkoo" typeface="Ebrima"/>
-        <a:font script="Olck" typeface="Nirmala UI"/>
-        <a:font script="Osma" typeface="Ebrima"/>
-        <a:font script="Phag" typeface="Phagspa"/>
-        <a:font script="Syrn" typeface="Estrangelo Edessa"/>
-        <a:font script="Syrj" typeface="Estrangelo Edessa"/>
-        <a:font script="Syre" typeface="Estrangelo Edessa"/>
-        <a:font script="Sora" typeface="Nirmala UI"/>
-        <a:font script="Tale" typeface="Microsoft Tai Le"/>
-        <a:font script="Talu" typeface="Microsoft New Tai Lue"/>
-        <a:font script="Tfng" typeface="Ebrima"/>
       </a:majorFont>
       <a:minorFont>
         <a:latin typeface="Calibri" panose="020F0502020204030204"/>
@@ -4553,26 +6752,9 @@
         <a:font script="Viet" typeface="Arial"/>
         <a:font script="Uigh" typeface="Microsoft Uighur"/>
         <a:font script="Geor" typeface="Sylfaen"/>
-        <a:font script="Armn" typeface="Arial"/>
-        <a:font script="Bugi" typeface="Leelawadee UI"/>
-        <a:font script="Bopo" typeface="Microsoft JhengHei"/>
-        <a:font script="Java" typeface="Javanese Text"/>
-        <a:font script="Lisu" typeface="Segoe UI"/>
-        <a:font script="Mymr" typeface="Myanmar Text"/>
-        <a:font script="Nkoo" typeface="Ebrima"/>
-        <a:font script="Olck" typeface="Nirmala UI"/>
-        <a:font script="Osma" typeface="Ebrima"/>
-        <a:font script="Phag" typeface="Phagspa"/>
-        <a:font script="Syrn" typeface="Estrangelo Edessa"/>
-        <a:font script="Syrj" typeface="Estrangelo Edessa"/>
-        <a:font script="Syre" typeface="Estrangelo Edessa"/>
-        <a:font script="Sora" typeface="Nirmala UI"/>
-        <a:font script="Tale" typeface="Microsoft Tai Le"/>
-        <a:font script="Talu" typeface="Microsoft New Tai Lue"/>
-        <a:font script="Tfng" typeface="Ebrima"/>
       </a:minorFont>
     </a:fontScheme>
-    <a:fmtScheme name="Office">
+    <a:fmtScheme name="Thème Office">
       <a:fillStyleLst>
         <a:solidFill>
           <a:schemeClr val="phClr"/>
@@ -4714,7 +6896,7 @@
   <a:extraClrSchemeLst/>
   <a:extLst>
     <a:ext uri="{05A4C25C-085E-4340-85A3-A5531E510DB2}">
-      <thm15:themeFamily xmlns:thm15="http://schemas.microsoft.com/office/thememl/2012/main" name="Office Theme" id="{62F939B6-93AF-4DB8-9C6B-D6C7DFDC589F}" vid="{4A3C46E8-61CC-4603-A589-7422A47A8E4A}"/>
+      <thm15:themeFamily xmlns:thm15="http://schemas.microsoft.com/office/thememl/2012/main" name="Office 2013 - 2022 Theme" id="{62F939B6-93AF-4DB8-9C6B-D6C7DFDC589F}" vid="{4A3C46E8-61CC-4603-A589-7422A47A8E4A}"/>
     </a:ext>
   </a:extLst>
 </a:theme>
